--- a/( Business Model ) - Pokemon.pptx
+++ b/( Business Model ) - Pokemon.pptx
@@ -7,31 +7,37 @@
     <p:sldMasterId id="2147483690" r:id="rId3"/>
   </p:sldMasterIdLst>
   <p:notesMasterIdLst>
-    <p:notesMasterId r:id="rId8"/>
+    <p:notesMasterId r:id="rId14"/>
   </p:notesMasterIdLst>
   <p:sldIdLst>
     <p:sldId id="256" r:id="rId4"/>
     <p:sldId id="258" r:id="rId5"/>
-    <p:sldId id="264" r:id="rId6"/>
-    <p:sldId id="265" r:id="rId7"/>
+    <p:sldId id="266" r:id="rId6"/>
+    <p:sldId id="270" r:id="rId7"/>
+    <p:sldId id="272" r:id="rId8"/>
+    <p:sldId id="273" r:id="rId9"/>
+    <p:sldId id="274" r:id="rId10"/>
+    <p:sldId id="275" r:id="rId11"/>
+    <p:sldId id="264" r:id="rId12"/>
+    <p:sldId id="265" r:id="rId13"/>
   </p:sldIdLst>
   <p:sldSz cx="9144000" cy="5143500" type="screen16x9"/>
   <p:notesSz cx="6858000" cy="9144000"/>
   <p:embeddedFontLst>
     <p:embeddedFont>
       <p:font typeface="Anton" pitchFamily="2" charset="0"/>
-      <p:regular r:id="rId9"/>
+      <p:regular r:id="rId15"/>
     </p:embeddedFont>
     <p:embeddedFont>
       <p:font typeface="Didact Gothic" panose="020B0604020202020204" charset="0"/>
-      <p:regular r:id="rId10"/>
+      <p:regular r:id="rId16"/>
     </p:embeddedFont>
     <p:embeddedFont>
       <p:font typeface="Roboto" panose="02000000000000000000" pitchFamily="2" charset="0"/>
-      <p:regular r:id="rId11"/>
-      <p:bold r:id="rId12"/>
-      <p:italic r:id="rId13"/>
-      <p:boldItalic r:id="rId14"/>
+      <p:regular r:id="rId17"/>
+      <p:bold r:id="rId18"/>
+      <p:italic r:id="rId19"/>
+      <p:boldItalic r:id="rId20"/>
     </p:embeddedFont>
   </p:embeddedFontLst>
   <p:defaultTextStyle>
@@ -1133,6 +1139,551 @@
         </p:nvSpPr>
         <p:spPr>
           <a:xfrm>
+            <a:off x="381000" y="685800"/>
+            <a:ext cx="6096000" cy="3429000"/>
+          </a:xfrm>
+          <a:custGeom>
+            <a:avLst/>
+            <a:gdLst/>
+            <a:ahLst/>
+            <a:cxnLst/>
+            <a:rect l="l" t="t" r="r" b="b"/>
+            <a:pathLst>
+              <a:path w="120000" h="120000" extrusionOk="0">
+                <a:moveTo>
+                  <a:pt x="0" y="0"/>
+                </a:moveTo>
+                <a:lnTo>
+                  <a:pt x="120000" y="0"/>
+                </a:lnTo>
+                <a:lnTo>
+                  <a:pt x="120000" y="120000"/>
+                </a:lnTo>
+                <a:lnTo>
+                  <a:pt x="0" y="120000"/>
+                </a:lnTo>
+                <a:close/>
+              </a:path>
+            </a:pathLst>
+          </a:custGeom>
+        </p:spPr>
+      </p:sp>
+    </p:spTree>
+    <p:extLst>
+      <p:ext uri="{BB962C8B-B14F-4D97-AF65-F5344CB8AC3E}">
+        <p14:creationId xmlns:p14="http://schemas.microsoft.com/office/powerpoint/2010/main" val="2401784616"/>
+      </p:ext>
+    </p:extLst>
+  </p:cSld>
+  <p:clrMapOvr>
+    <a:masterClrMapping/>
+  </p:clrMapOvr>
+</p:notes>
+</file>
+
+<file path=ppt/notesSlides/notesSlide4.xml><?xml version="1.0" encoding="utf-8"?>
+<p:notes xmlns:a="http://schemas.openxmlformats.org/drawingml/2006/main" xmlns:r="http://schemas.openxmlformats.org/officeDocument/2006/relationships" xmlns:p="http://schemas.openxmlformats.org/presentationml/2006/main" showMasterSp="0" showMasterPhAnim="0">
+  <p:cSld>
+    <p:spTree>
+      <p:nvGrpSpPr>
+        <p:cNvPr id="1" name="Shape 278"/>
+        <p:cNvGrpSpPr/>
+        <p:nvPr/>
+      </p:nvGrpSpPr>
+      <p:grpSpPr>
+        <a:xfrm>
+          <a:off x="0" y="0"/>
+          <a:ext cx="0" cy="0"/>
+          <a:chOff x="0" y="0"/>
+          <a:chExt cx="0" cy="0"/>
+        </a:xfrm>
+      </p:grpSpPr>
+      <p:sp>
+        <p:nvSpPr>
+          <p:cNvPr id="279" name="Google Shape;279;g1740597fa89_0_5:notes"/>
+          <p:cNvSpPr txBox="1">
+            <a:spLocks noGrp="1"/>
+          </p:cNvSpPr>
+          <p:nvPr>
+            <p:ph type="body" idx="1"/>
+          </p:nvPr>
+        </p:nvSpPr>
+        <p:spPr>
+          <a:xfrm>
+            <a:off x="685800" y="4343400"/>
+            <a:ext cx="5486400" cy="4114800"/>
+          </a:xfrm>
+          <a:prstGeom prst="rect">
+            <a:avLst/>
+          </a:prstGeom>
+        </p:spPr>
+        <p:txBody>
+          <a:bodyPr spcFirstLastPara="1" wrap="square" lIns="91425" tIns="91425" rIns="91425" bIns="91425" anchor="t" anchorCtr="0">
+            <a:noAutofit/>
+          </a:bodyPr>
+          <a:lstStyle/>
+          <a:p>
+            <a:pPr marL="0" lvl="0" indent="0" algn="l" rtl="0">
+              <a:spcBef>
+                <a:spcPts val="0"/>
+              </a:spcBef>
+              <a:spcAft>
+                <a:spcPts val="0"/>
+              </a:spcAft>
+              <a:buNone/>
+            </a:pPr>
+            <a:endParaRPr/>
+          </a:p>
+        </p:txBody>
+      </p:sp>
+      <p:sp>
+        <p:nvSpPr>
+          <p:cNvPr id="280" name="Google Shape;280;g1740597fa89_0_5:notes"/>
+          <p:cNvSpPr>
+            <a:spLocks noGrp="1" noRot="1" noChangeAspect="1"/>
+          </p:cNvSpPr>
+          <p:nvPr>
+            <p:ph type="sldImg" idx="2"/>
+          </p:nvPr>
+        </p:nvSpPr>
+        <p:spPr>
+          <a:xfrm>
+            <a:off x="381000" y="685800"/>
+            <a:ext cx="6096000" cy="3429000"/>
+          </a:xfrm>
+          <a:custGeom>
+            <a:avLst/>
+            <a:gdLst/>
+            <a:ahLst/>
+            <a:cxnLst/>
+            <a:rect l="l" t="t" r="r" b="b"/>
+            <a:pathLst>
+              <a:path w="120000" h="120000" extrusionOk="0">
+                <a:moveTo>
+                  <a:pt x="0" y="0"/>
+                </a:moveTo>
+                <a:lnTo>
+                  <a:pt x="120000" y="0"/>
+                </a:lnTo>
+                <a:lnTo>
+                  <a:pt x="120000" y="120000"/>
+                </a:lnTo>
+                <a:lnTo>
+                  <a:pt x="0" y="120000"/>
+                </a:lnTo>
+                <a:close/>
+              </a:path>
+            </a:pathLst>
+          </a:custGeom>
+        </p:spPr>
+      </p:sp>
+    </p:spTree>
+    <p:extLst>
+      <p:ext uri="{BB962C8B-B14F-4D97-AF65-F5344CB8AC3E}">
+        <p14:creationId xmlns:p14="http://schemas.microsoft.com/office/powerpoint/2010/main" val="3644349657"/>
+      </p:ext>
+    </p:extLst>
+  </p:cSld>
+  <p:clrMapOvr>
+    <a:masterClrMapping/>
+  </p:clrMapOvr>
+</p:notes>
+</file>
+
+<file path=ppt/notesSlides/notesSlide5.xml><?xml version="1.0" encoding="utf-8"?>
+<p:notes xmlns:a="http://schemas.openxmlformats.org/drawingml/2006/main" xmlns:r="http://schemas.openxmlformats.org/officeDocument/2006/relationships" xmlns:p="http://schemas.openxmlformats.org/presentationml/2006/main" showMasterSp="0" showMasterPhAnim="0">
+  <p:cSld>
+    <p:spTree>
+      <p:nvGrpSpPr>
+        <p:cNvPr id="1" name="Shape 278"/>
+        <p:cNvGrpSpPr/>
+        <p:nvPr/>
+      </p:nvGrpSpPr>
+      <p:grpSpPr>
+        <a:xfrm>
+          <a:off x="0" y="0"/>
+          <a:ext cx="0" cy="0"/>
+          <a:chOff x="0" y="0"/>
+          <a:chExt cx="0" cy="0"/>
+        </a:xfrm>
+      </p:grpSpPr>
+      <p:sp>
+        <p:nvSpPr>
+          <p:cNvPr id="279" name="Google Shape;279;g1740597fa89_0_5:notes"/>
+          <p:cNvSpPr txBox="1">
+            <a:spLocks noGrp="1"/>
+          </p:cNvSpPr>
+          <p:nvPr>
+            <p:ph type="body" idx="1"/>
+          </p:nvPr>
+        </p:nvSpPr>
+        <p:spPr>
+          <a:xfrm>
+            <a:off x="685800" y="4343400"/>
+            <a:ext cx="5486400" cy="4114800"/>
+          </a:xfrm>
+          <a:prstGeom prst="rect">
+            <a:avLst/>
+          </a:prstGeom>
+        </p:spPr>
+        <p:txBody>
+          <a:bodyPr spcFirstLastPara="1" wrap="square" lIns="91425" tIns="91425" rIns="91425" bIns="91425" anchor="t" anchorCtr="0">
+            <a:noAutofit/>
+          </a:bodyPr>
+          <a:lstStyle/>
+          <a:p>
+            <a:pPr marL="0" lvl="0" indent="0" algn="l" rtl="0">
+              <a:spcBef>
+                <a:spcPts val="0"/>
+              </a:spcBef>
+              <a:spcAft>
+                <a:spcPts val="0"/>
+              </a:spcAft>
+              <a:buNone/>
+            </a:pPr>
+            <a:endParaRPr/>
+          </a:p>
+        </p:txBody>
+      </p:sp>
+      <p:sp>
+        <p:nvSpPr>
+          <p:cNvPr id="280" name="Google Shape;280;g1740597fa89_0_5:notes"/>
+          <p:cNvSpPr>
+            <a:spLocks noGrp="1" noRot="1" noChangeAspect="1"/>
+          </p:cNvSpPr>
+          <p:nvPr>
+            <p:ph type="sldImg" idx="2"/>
+          </p:nvPr>
+        </p:nvSpPr>
+        <p:spPr>
+          <a:xfrm>
+            <a:off x="381000" y="685800"/>
+            <a:ext cx="6096000" cy="3429000"/>
+          </a:xfrm>
+          <a:custGeom>
+            <a:avLst/>
+            <a:gdLst/>
+            <a:ahLst/>
+            <a:cxnLst/>
+            <a:rect l="l" t="t" r="r" b="b"/>
+            <a:pathLst>
+              <a:path w="120000" h="120000" extrusionOk="0">
+                <a:moveTo>
+                  <a:pt x="0" y="0"/>
+                </a:moveTo>
+                <a:lnTo>
+                  <a:pt x="120000" y="0"/>
+                </a:lnTo>
+                <a:lnTo>
+                  <a:pt x="120000" y="120000"/>
+                </a:lnTo>
+                <a:lnTo>
+                  <a:pt x="0" y="120000"/>
+                </a:lnTo>
+                <a:close/>
+              </a:path>
+            </a:pathLst>
+          </a:custGeom>
+        </p:spPr>
+      </p:sp>
+    </p:spTree>
+    <p:extLst>
+      <p:ext uri="{BB962C8B-B14F-4D97-AF65-F5344CB8AC3E}">
+        <p14:creationId xmlns:p14="http://schemas.microsoft.com/office/powerpoint/2010/main" val="1453992580"/>
+      </p:ext>
+    </p:extLst>
+  </p:cSld>
+  <p:clrMapOvr>
+    <a:masterClrMapping/>
+  </p:clrMapOvr>
+</p:notes>
+</file>
+
+<file path=ppt/notesSlides/notesSlide6.xml><?xml version="1.0" encoding="utf-8"?>
+<p:notes xmlns:a="http://schemas.openxmlformats.org/drawingml/2006/main" xmlns:r="http://schemas.openxmlformats.org/officeDocument/2006/relationships" xmlns:p="http://schemas.openxmlformats.org/presentationml/2006/main" showMasterSp="0" showMasterPhAnim="0">
+  <p:cSld>
+    <p:spTree>
+      <p:nvGrpSpPr>
+        <p:cNvPr id="1" name="Shape 278"/>
+        <p:cNvGrpSpPr/>
+        <p:nvPr/>
+      </p:nvGrpSpPr>
+      <p:grpSpPr>
+        <a:xfrm>
+          <a:off x="0" y="0"/>
+          <a:ext cx="0" cy="0"/>
+          <a:chOff x="0" y="0"/>
+          <a:chExt cx="0" cy="0"/>
+        </a:xfrm>
+      </p:grpSpPr>
+      <p:sp>
+        <p:nvSpPr>
+          <p:cNvPr id="279" name="Google Shape;279;g1740597fa89_0_5:notes"/>
+          <p:cNvSpPr txBox="1">
+            <a:spLocks noGrp="1"/>
+          </p:cNvSpPr>
+          <p:nvPr>
+            <p:ph type="body" idx="1"/>
+          </p:nvPr>
+        </p:nvSpPr>
+        <p:spPr>
+          <a:xfrm>
+            <a:off x="685800" y="4343400"/>
+            <a:ext cx="5486400" cy="4114800"/>
+          </a:xfrm>
+          <a:prstGeom prst="rect">
+            <a:avLst/>
+          </a:prstGeom>
+        </p:spPr>
+        <p:txBody>
+          <a:bodyPr spcFirstLastPara="1" wrap="square" lIns="91425" tIns="91425" rIns="91425" bIns="91425" anchor="t" anchorCtr="0">
+            <a:noAutofit/>
+          </a:bodyPr>
+          <a:lstStyle/>
+          <a:p>
+            <a:pPr marL="0" lvl="0" indent="0" algn="l" rtl="0">
+              <a:spcBef>
+                <a:spcPts val="0"/>
+              </a:spcBef>
+              <a:spcAft>
+                <a:spcPts val="0"/>
+              </a:spcAft>
+              <a:buNone/>
+            </a:pPr>
+            <a:endParaRPr/>
+          </a:p>
+        </p:txBody>
+      </p:sp>
+      <p:sp>
+        <p:nvSpPr>
+          <p:cNvPr id="280" name="Google Shape;280;g1740597fa89_0_5:notes"/>
+          <p:cNvSpPr>
+            <a:spLocks noGrp="1" noRot="1" noChangeAspect="1"/>
+          </p:cNvSpPr>
+          <p:nvPr>
+            <p:ph type="sldImg" idx="2"/>
+          </p:nvPr>
+        </p:nvSpPr>
+        <p:spPr>
+          <a:xfrm>
+            <a:off x="381000" y="685800"/>
+            <a:ext cx="6096000" cy="3429000"/>
+          </a:xfrm>
+          <a:custGeom>
+            <a:avLst/>
+            <a:gdLst/>
+            <a:ahLst/>
+            <a:cxnLst/>
+            <a:rect l="l" t="t" r="r" b="b"/>
+            <a:pathLst>
+              <a:path w="120000" h="120000" extrusionOk="0">
+                <a:moveTo>
+                  <a:pt x="0" y="0"/>
+                </a:moveTo>
+                <a:lnTo>
+                  <a:pt x="120000" y="0"/>
+                </a:lnTo>
+                <a:lnTo>
+                  <a:pt x="120000" y="120000"/>
+                </a:lnTo>
+                <a:lnTo>
+                  <a:pt x="0" y="120000"/>
+                </a:lnTo>
+                <a:close/>
+              </a:path>
+            </a:pathLst>
+          </a:custGeom>
+        </p:spPr>
+      </p:sp>
+    </p:spTree>
+    <p:extLst>
+      <p:ext uri="{BB962C8B-B14F-4D97-AF65-F5344CB8AC3E}">
+        <p14:creationId xmlns:p14="http://schemas.microsoft.com/office/powerpoint/2010/main" val="4060667692"/>
+      </p:ext>
+    </p:extLst>
+  </p:cSld>
+  <p:clrMapOvr>
+    <a:masterClrMapping/>
+  </p:clrMapOvr>
+</p:notes>
+</file>
+
+<file path=ppt/notesSlides/notesSlide7.xml><?xml version="1.0" encoding="utf-8"?>
+<p:notes xmlns:a="http://schemas.openxmlformats.org/drawingml/2006/main" xmlns:r="http://schemas.openxmlformats.org/officeDocument/2006/relationships" xmlns:p="http://schemas.openxmlformats.org/presentationml/2006/main" showMasterSp="0" showMasterPhAnim="0">
+  <p:cSld>
+    <p:spTree>
+      <p:nvGrpSpPr>
+        <p:cNvPr id="1" name="Shape 278"/>
+        <p:cNvGrpSpPr/>
+        <p:nvPr/>
+      </p:nvGrpSpPr>
+      <p:grpSpPr>
+        <a:xfrm>
+          <a:off x="0" y="0"/>
+          <a:ext cx="0" cy="0"/>
+          <a:chOff x="0" y="0"/>
+          <a:chExt cx="0" cy="0"/>
+        </a:xfrm>
+      </p:grpSpPr>
+      <p:sp>
+        <p:nvSpPr>
+          <p:cNvPr id="279" name="Google Shape;279;g1740597fa89_0_5:notes"/>
+          <p:cNvSpPr txBox="1">
+            <a:spLocks noGrp="1"/>
+          </p:cNvSpPr>
+          <p:nvPr>
+            <p:ph type="body" idx="1"/>
+          </p:nvPr>
+        </p:nvSpPr>
+        <p:spPr>
+          <a:xfrm>
+            <a:off x="685800" y="4343400"/>
+            <a:ext cx="5486400" cy="4114800"/>
+          </a:xfrm>
+          <a:prstGeom prst="rect">
+            <a:avLst/>
+          </a:prstGeom>
+        </p:spPr>
+        <p:txBody>
+          <a:bodyPr spcFirstLastPara="1" wrap="square" lIns="91425" tIns="91425" rIns="91425" bIns="91425" anchor="t" anchorCtr="0">
+            <a:noAutofit/>
+          </a:bodyPr>
+          <a:lstStyle/>
+          <a:p>
+            <a:pPr marL="0" lvl="0" indent="0" algn="l" rtl="0">
+              <a:spcBef>
+                <a:spcPts val="0"/>
+              </a:spcBef>
+              <a:spcAft>
+                <a:spcPts val="0"/>
+              </a:spcAft>
+              <a:buNone/>
+            </a:pPr>
+            <a:endParaRPr/>
+          </a:p>
+        </p:txBody>
+      </p:sp>
+      <p:sp>
+        <p:nvSpPr>
+          <p:cNvPr id="280" name="Google Shape;280;g1740597fa89_0_5:notes"/>
+          <p:cNvSpPr>
+            <a:spLocks noGrp="1" noRot="1" noChangeAspect="1"/>
+          </p:cNvSpPr>
+          <p:nvPr>
+            <p:ph type="sldImg" idx="2"/>
+          </p:nvPr>
+        </p:nvSpPr>
+        <p:spPr>
+          <a:xfrm>
+            <a:off x="381000" y="685800"/>
+            <a:ext cx="6096000" cy="3429000"/>
+          </a:xfrm>
+          <a:custGeom>
+            <a:avLst/>
+            <a:gdLst/>
+            <a:ahLst/>
+            <a:cxnLst/>
+            <a:rect l="l" t="t" r="r" b="b"/>
+            <a:pathLst>
+              <a:path w="120000" h="120000" extrusionOk="0">
+                <a:moveTo>
+                  <a:pt x="0" y="0"/>
+                </a:moveTo>
+                <a:lnTo>
+                  <a:pt x="120000" y="0"/>
+                </a:lnTo>
+                <a:lnTo>
+                  <a:pt x="120000" y="120000"/>
+                </a:lnTo>
+                <a:lnTo>
+                  <a:pt x="0" y="120000"/>
+                </a:lnTo>
+                <a:close/>
+              </a:path>
+            </a:pathLst>
+          </a:custGeom>
+        </p:spPr>
+      </p:sp>
+    </p:spTree>
+    <p:extLst>
+      <p:ext uri="{BB962C8B-B14F-4D97-AF65-F5344CB8AC3E}">
+        <p14:creationId xmlns:p14="http://schemas.microsoft.com/office/powerpoint/2010/main" val="169768022"/>
+      </p:ext>
+    </p:extLst>
+  </p:cSld>
+  <p:clrMapOvr>
+    <a:masterClrMapping/>
+  </p:clrMapOvr>
+</p:notes>
+</file>
+
+<file path=ppt/notesSlides/notesSlide8.xml><?xml version="1.0" encoding="utf-8"?>
+<p:notes xmlns:a="http://schemas.openxmlformats.org/drawingml/2006/main" xmlns:r="http://schemas.openxmlformats.org/officeDocument/2006/relationships" xmlns:p="http://schemas.openxmlformats.org/presentationml/2006/main" showMasterSp="0" showMasterPhAnim="0">
+  <p:cSld>
+    <p:spTree>
+      <p:nvGrpSpPr>
+        <p:cNvPr id="1" name="Shape 278"/>
+        <p:cNvGrpSpPr/>
+        <p:nvPr/>
+      </p:nvGrpSpPr>
+      <p:grpSpPr>
+        <a:xfrm>
+          <a:off x="0" y="0"/>
+          <a:ext cx="0" cy="0"/>
+          <a:chOff x="0" y="0"/>
+          <a:chExt cx="0" cy="0"/>
+        </a:xfrm>
+      </p:grpSpPr>
+      <p:sp>
+        <p:nvSpPr>
+          <p:cNvPr id="279" name="Google Shape;279;g1740597fa89_0_5:notes"/>
+          <p:cNvSpPr txBox="1">
+            <a:spLocks noGrp="1"/>
+          </p:cNvSpPr>
+          <p:nvPr>
+            <p:ph type="body" idx="1"/>
+          </p:nvPr>
+        </p:nvSpPr>
+        <p:spPr>
+          <a:xfrm>
+            <a:off x="685800" y="4343400"/>
+            <a:ext cx="5486400" cy="4114800"/>
+          </a:xfrm>
+          <a:prstGeom prst="rect">
+            <a:avLst/>
+          </a:prstGeom>
+        </p:spPr>
+        <p:txBody>
+          <a:bodyPr spcFirstLastPara="1" wrap="square" lIns="91425" tIns="91425" rIns="91425" bIns="91425" anchor="t" anchorCtr="0">
+            <a:noAutofit/>
+          </a:bodyPr>
+          <a:lstStyle/>
+          <a:p>
+            <a:pPr marL="0" lvl="0" indent="0" algn="l" rtl="0">
+              <a:spcBef>
+                <a:spcPts val="0"/>
+              </a:spcBef>
+              <a:spcAft>
+                <a:spcPts val="0"/>
+              </a:spcAft>
+              <a:buNone/>
+            </a:pPr>
+            <a:endParaRPr/>
+          </a:p>
+        </p:txBody>
+      </p:sp>
+      <p:sp>
+        <p:nvSpPr>
+          <p:cNvPr id="280" name="Google Shape;280;g1740597fa89_0_5:notes"/>
+          <p:cNvSpPr>
+            <a:spLocks noGrp="1" noRot="1" noChangeAspect="1"/>
+          </p:cNvSpPr>
+          <p:nvPr>
+            <p:ph type="sldImg" idx="2"/>
+          </p:nvPr>
+        </p:nvSpPr>
+        <p:spPr>
+          <a:xfrm>
             <a:off x="1143225" y="685800"/>
             <a:ext cx="4572300" cy="3429000"/>
           </a:xfrm>
@@ -1170,7 +1721,7 @@
 </p:notes>
 </file>
 
-<file path=ppt/notesSlides/notesSlide4.xml><?xml version="1.0" encoding="utf-8"?>
+<file path=ppt/notesSlides/notesSlide9.xml><?xml version="1.0" encoding="utf-8"?>
 <p:notes xmlns:a="http://schemas.openxmlformats.org/drawingml/2006/main" xmlns:r="http://schemas.openxmlformats.org/officeDocument/2006/relationships" xmlns:p="http://schemas.openxmlformats.org/presentationml/2006/main" showMasterSp="0" showMasterPhAnim="0">
   <p:cSld>
     <p:spTree>
@@ -25278,6 +25829,183 @@
 </p:sld>
 </file>
 
+<file path=ppt/slides/slide10.xml><?xml version="1.0" encoding="utf-8"?>
+<p:sld xmlns:a="http://schemas.openxmlformats.org/drawingml/2006/main" xmlns:r="http://schemas.openxmlformats.org/officeDocument/2006/relationships" xmlns:p="http://schemas.openxmlformats.org/presentationml/2006/main">
+  <p:cSld>
+    <p:bg>
+      <p:bgPr>
+        <a:solidFill>
+          <a:schemeClr val="dk1"/>
+        </a:solidFill>
+        <a:effectLst/>
+      </p:bgPr>
+    </p:bg>
+    <p:spTree>
+      <p:nvGrpSpPr>
+        <p:cNvPr id="1" name="Shape 289"/>
+        <p:cNvGrpSpPr/>
+        <p:nvPr/>
+      </p:nvGrpSpPr>
+      <p:grpSpPr>
+        <a:xfrm>
+          <a:off x="0" y="0"/>
+          <a:ext cx="0" cy="0"/>
+          <a:chOff x="0" y="0"/>
+          <a:chExt cx="0" cy="0"/>
+        </a:xfrm>
+      </p:grpSpPr>
+      <p:sp>
+        <p:nvSpPr>
+          <p:cNvPr id="290" name="Google Shape;290;p53"/>
+          <p:cNvSpPr txBox="1"/>
+          <p:nvPr/>
+        </p:nvSpPr>
+        <p:spPr>
+          <a:xfrm>
+            <a:off x="490320" y="488160"/>
+            <a:ext cx="6226800" cy="4090200"/>
+          </a:xfrm>
+          <a:prstGeom prst="rect">
+            <a:avLst/>
+          </a:prstGeom>
+          <a:noFill/>
+          <a:ln>
+            <a:noFill/>
+          </a:ln>
+        </p:spPr>
+        <p:txBody>
+          <a:bodyPr spcFirstLastPara="1" wrap="square" lIns="91425" tIns="91425" rIns="91425" bIns="91425" anchor="ctr" anchorCtr="0">
+            <a:noAutofit/>
+          </a:bodyPr>
+          <a:lstStyle/>
+          <a:p>
+            <a:pPr marL="0" marR="0" lvl="0" indent="0" algn="l" rtl="0">
+              <a:lnSpc>
+                <a:spcPct val="100000"/>
+              </a:lnSpc>
+              <a:spcBef>
+                <a:spcPts val="0"/>
+              </a:spcBef>
+              <a:spcAft>
+                <a:spcPts val="0"/>
+              </a:spcAft>
+              <a:buNone/>
+            </a:pPr>
+            <a:r>
+              <a:rPr lang="es" sz="3100" b="0" i="1" u="none" strike="noStrike" cap="none">
+                <a:solidFill>
+                  <a:schemeClr val="lt1"/>
+                </a:solidFill>
+                <a:latin typeface="Anton"/>
+                <a:ea typeface="Anton"/>
+                <a:cs typeface="Anton"/>
+                <a:sym typeface="Anton"/>
+              </a:rPr>
+              <a:t>¡GRACIAS!</a:t>
+            </a:r>
+            <a:endParaRPr sz="3100" b="0" i="0" u="none" strike="noStrike" cap="none">
+              <a:solidFill>
+                <a:schemeClr val="lt1"/>
+              </a:solidFill>
+              <a:latin typeface="Arial"/>
+              <a:ea typeface="Arial"/>
+              <a:cs typeface="Arial"/>
+              <a:sym typeface="Arial"/>
+            </a:endParaRPr>
+          </a:p>
+        </p:txBody>
+      </p:sp>
+      <p:pic>
+        <p:nvPicPr>
+          <p:cNvPr id="291" name="Google Shape;291;p53"/>
+          <p:cNvPicPr preferRelativeResize="0"/>
+          <p:nvPr/>
+        </p:nvPicPr>
+        <p:blipFill rotWithShape="1">
+          <a:blip r:embed="rId3">
+            <a:alphaModFix/>
+          </a:blip>
+          <a:srcRect/>
+          <a:stretch/>
+        </p:blipFill>
+        <p:spPr>
+          <a:xfrm>
+            <a:off x="7567920" y="4659480"/>
+            <a:ext cx="1186201" cy="330480"/>
+          </a:xfrm>
+          <a:prstGeom prst="rect">
+            <a:avLst/>
+          </a:prstGeom>
+          <a:noFill/>
+          <a:ln>
+            <a:noFill/>
+          </a:ln>
+        </p:spPr>
+      </p:pic>
+      <p:pic>
+        <p:nvPicPr>
+          <p:cNvPr id="292" name="Google Shape;292;p53"/>
+          <p:cNvPicPr preferRelativeResize="0"/>
+          <p:nvPr/>
+        </p:nvPicPr>
+        <p:blipFill>
+          <a:blip r:embed="rId4">
+            <a:alphaModFix/>
+          </a:blip>
+          <a:stretch>
+            <a:fillRect/>
+          </a:stretch>
+        </p:blipFill>
+        <p:spPr>
+          <a:xfrm>
+            <a:off x="1101700" y="2599575"/>
+            <a:ext cx="3724875" cy="2478700"/>
+          </a:xfrm>
+          <a:prstGeom prst="rect">
+            <a:avLst/>
+          </a:prstGeom>
+          <a:noFill/>
+          <a:ln>
+            <a:noFill/>
+          </a:ln>
+        </p:spPr>
+      </p:pic>
+      <p:pic>
+        <p:nvPicPr>
+          <p:cNvPr id="293" name="Google Shape;293;p53"/>
+          <p:cNvPicPr preferRelativeResize="0"/>
+          <p:nvPr/>
+        </p:nvPicPr>
+        <p:blipFill>
+          <a:blip r:embed="rId5">
+            <a:alphaModFix/>
+          </a:blip>
+          <a:stretch>
+            <a:fillRect/>
+          </a:stretch>
+        </p:blipFill>
+        <p:spPr>
+          <a:xfrm>
+            <a:off x="6016592" y="4268803"/>
+            <a:ext cx="1302775" cy="765625"/>
+          </a:xfrm>
+          <a:prstGeom prst="rect">
+            <a:avLst/>
+          </a:prstGeom>
+          <a:noFill/>
+          <a:ln>
+            <a:noFill/>
+          </a:ln>
+        </p:spPr>
+      </p:pic>
+    </p:spTree>
+  </p:cSld>
+  <p:clrMapOvr>
+    <a:masterClrMapping/>
+  </p:clrMapOvr>
+</p:sld>
+</file>
+
 <file path=ppt/slides/slide2.xml><?xml version="1.0" encoding="utf-8"?>
 <p:sld xmlns:a="http://schemas.openxmlformats.org/drawingml/2006/main" xmlns:r="http://schemas.openxmlformats.org/officeDocument/2006/relationships" xmlns:p="http://schemas.openxmlformats.org/presentationml/2006/main">
   <p:cSld>
@@ -25321,6 +26049,9 @@
           <a:prstGeom prst="rect">
             <a:avLst/>
           </a:prstGeom>
+          <a:ln>
+            <a:noFill/>
+          </a:ln>
         </p:spPr>
         <p:txBody>
           <a:bodyPr spcFirstLastPara="1" wrap="square" lIns="0" tIns="0" rIns="0" bIns="0" anchor="ctr" anchorCtr="0">
@@ -25379,7 +26110,7 @@
               <a:buNone/>
             </a:pPr>
             <a:r>
-              <a:rPr lang="es" sz="5000" i="1">
+              <a:rPr lang="es" sz="5000" i="1" dirty="0">
                 <a:solidFill>
                   <a:schemeClr val="lt1"/>
                 </a:solidFill>
@@ -25391,7 +26122,7 @@
               <a:t>BEST FRIEND FOREVER</a:t>
             </a:r>
             <a:r>
-              <a:rPr lang="es" sz="4000" i="1">
+              <a:rPr lang="es" sz="4000" i="1" dirty="0">
                 <a:solidFill>
                   <a:schemeClr val="lt1"/>
                 </a:solidFill>
@@ -25403,7 +26134,7 @@
               <a:t> </a:t>
             </a:r>
             <a:r>
-              <a:rPr lang="es" sz="4000" i="1">
+              <a:rPr lang="es" sz="4000" i="1" dirty="0">
                 <a:solidFill>
                   <a:srgbClr val="980000"/>
                 </a:solidFill>
@@ -25414,7 +26145,7 @@
               </a:rPr>
               <a:t>store</a:t>
             </a:r>
-            <a:endParaRPr sz="4000" i="1">
+            <a:endParaRPr sz="4000" i="1" dirty="0">
               <a:solidFill>
                 <a:srgbClr val="980000"/>
               </a:solidFill>
@@ -25437,7 +26168,7 @@
               </a:spcAft>
               <a:buNone/>
             </a:pPr>
-            <a:endParaRPr sz="3000" b="1">
+            <a:endParaRPr sz="3000" b="1" dirty="0">
               <a:solidFill>
                 <a:srgbClr val="FFFF00"/>
               </a:solidFill>
@@ -25678,7 +26409,7 @@
         <p:spPr>
           <a:xfrm>
             <a:off x="1579325" y="2247000"/>
-            <a:ext cx="6848700" cy="1477297"/>
+            <a:ext cx="6848700" cy="1692741"/>
           </a:xfrm>
           <a:prstGeom prst="rect">
             <a:avLst/>
@@ -25704,7 +26435,7 @@
               <a:buNone/>
             </a:pPr>
             <a:r>
-              <a:rPr lang="es" sz="1000" dirty="0">
+              <a:rPr lang="es" dirty="0">
                 <a:solidFill>
                   <a:schemeClr val="lt1"/>
                 </a:solidFill>
@@ -25712,7 +26443,7 @@
               <a:t>Aplicable para un mix de de  ‘comercio electrónico” donde  los productos estan relacionados con el mundo del video Juego Pokemon. </a:t>
             </a:r>
             <a:r>
-              <a:rPr lang="es-PE" sz="1000" dirty="0">
+              <a:rPr lang="es-PE" dirty="0">
                 <a:solidFill>
                   <a:schemeClr val="lt1"/>
                 </a:solidFill>
@@ -25720,62 +26451,14 @@
               <a:t>E</a:t>
             </a:r>
             <a:r>
-              <a:rPr lang="es" sz="1000" dirty="0">
+              <a:rPr lang="es" dirty="0">
                 <a:solidFill>
                   <a:schemeClr val="lt1"/>
                 </a:solidFill>
               </a:rPr>
               <a:t>n la Fase 1 se modelara la informacion del video Juego Pokemon y en la fase 2 se complementara con el comportamiento requerido para el eCommerce; en este modelo  una tienda física no es necesaria por lo que al no tener otro canal de venta no existe consolidación y/o usuarios multicanal . </a:t>
             </a:r>
-            <a:endParaRPr sz="1000" dirty="0">
-              <a:solidFill>
-                <a:schemeClr val="lt1"/>
-              </a:solidFill>
-            </a:endParaRPr>
-          </a:p>
-          <a:p>
-            <a:pPr marL="0" lvl="0" indent="0" algn="ctr" rtl="0">
-              <a:spcBef>
-                <a:spcPts val="0"/>
-              </a:spcBef>
-              <a:spcAft>
-                <a:spcPts val="0"/>
-              </a:spcAft>
-              <a:buNone/>
-            </a:pPr>
-            <a:endParaRPr sz="1000" dirty="0">
-              <a:solidFill>
-                <a:schemeClr val="lt1"/>
-              </a:solidFill>
-            </a:endParaRPr>
-          </a:p>
-          <a:p>
-            <a:pPr marL="0" lvl="0" indent="0" algn="ctr" rtl="0">
-              <a:spcBef>
-                <a:spcPts val="0"/>
-              </a:spcBef>
-              <a:spcAft>
-                <a:spcPts val="0"/>
-              </a:spcAft>
-              <a:buNone/>
-            </a:pPr>
-            <a:r>
-              <a:rPr lang="es-PE" sz="1000" dirty="0">
-                <a:solidFill>
-                  <a:schemeClr val="lt1"/>
-                </a:solidFill>
-              </a:rPr>
-              <a:t>E</a:t>
-            </a:r>
-            <a:r>
-              <a:rPr lang="es" sz="1000" dirty="0">
-                <a:solidFill>
-                  <a:schemeClr val="lt1"/>
-                </a:solidFill>
-              </a:rPr>
-              <a:t>ste e commerce de funcionamiento minimizado en coparacion a “Amazon”  especializado en Productos de Pokemon como pets lo llamaria BFFs o “Best Friend Forever Store”</a:t>
-            </a:r>
-            <a:endParaRPr sz="1000" dirty="0">
+            <a:endParaRPr dirty="0">
               <a:solidFill>
                 <a:schemeClr val="lt1"/>
               </a:solidFill>
@@ -25882,6 +26565,1883 @@
 </file>
 
 <file path=ppt/slides/slide3.xml><?xml version="1.0" encoding="utf-8"?>
+<p:sld xmlns:a="http://schemas.openxmlformats.org/drawingml/2006/main" xmlns:r="http://schemas.openxmlformats.org/officeDocument/2006/relationships" xmlns:p="http://schemas.openxmlformats.org/presentationml/2006/main">
+  <p:cSld>
+    <p:bg>
+      <p:bgPr>
+        <a:solidFill>
+          <a:srgbClr val="9E473D"/>
+        </a:solidFill>
+        <a:effectLst/>
+      </p:bgPr>
+    </p:bg>
+    <p:spTree>
+      <p:nvGrpSpPr>
+        <p:cNvPr id="1" name=""/>
+        <p:cNvGrpSpPr/>
+        <p:nvPr/>
+      </p:nvGrpSpPr>
+      <p:grpSpPr>
+        <a:xfrm>
+          <a:off x="0" y="0"/>
+          <a:ext cx="0" cy="0"/>
+          <a:chOff x="0" y="0"/>
+          <a:chExt cx="0" cy="0"/>
+        </a:xfrm>
+      </p:grpSpPr>
+      <p:sp>
+        <p:nvSpPr>
+          <p:cNvPr id="3" name="CuadroTexto 2">
+            <a:extLst>
+              <a:ext uri="{FF2B5EF4-FFF2-40B4-BE49-F238E27FC236}">
+                <a16:creationId xmlns:a16="http://schemas.microsoft.com/office/drawing/2014/main" id="{A328A985-8511-4F9B-82E3-A54AF13BB234}"/>
+              </a:ext>
+            </a:extLst>
+          </p:cNvPr>
+          <p:cNvSpPr txBox="1"/>
+          <p:nvPr/>
+        </p:nvSpPr>
+        <p:spPr>
+          <a:xfrm>
+            <a:off x="2805545" y="237132"/>
+            <a:ext cx="3532909" cy="400110"/>
+          </a:xfrm>
+          <a:prstGeom prst="rect">
+            <a:avLst/>
+          </a:prstGeom>
+          <a:noFill/>
+        </p:spPr>
+        <p:txBody>
+          <a:bodyPr wrap="square" rtlCol="0">
+            <a:spAutoFit/>
+          </a:bodyPr>
+          <a:lstStyle/>
+          <a:p>
+            <a:pPr algn="ctr"/>
+            <a:r>
+              <a:rPr lang="en-US" sz="2000" dirty="0">
+                <a:solidFill>
+                  <a:schemeClr val="bg1"/>
+                </a:solidFill>
+              </a:rPr>
+              <a:t>INTRODUCCION</a:t>
+            </a:r>
+            <a:endParaRPr lang="es-PE" sz="2000" dirty="0">
+              <a:solidFill>
+                <a:schemeClr val="bg1"/>
+              </a:solidFill>
+            </a:endParaRPr>
+          </a:p>
+        </p:txBody>
+      </p:sp>
+      <p:sp>
+        <p:nvSpPr>
+          <p:cNvPr id="5" name="CuadroTexto 4">
+            <a:extLst>
+              <a:ext uri="{FF2B5EF4-FFF2-40B4-BE49-F238E27FC236}">
+                <a16:creationId xmlns:a16="http://schemas.microsoft.com/office/drawing/2014/main" id="{AB040842-D01E-4AE5-AB10-92F281E71312}"/>
+              </a:ext>
+            </a:extLst>
+          </p:cNvPr>
+          <p:cNvSpPr txBox="1"/>
+          <p:nvPr/>
+        </p:nvSpPr>
+        <p:spPr>
+          <a:xfrm>
+            <a:off x="3491345" y="1173182"/>
+            <a:ext cx="5361709" cy="3108543"/>
+          </a:xfrm>
+          <a:prstGeom prst="rect">
+            <a:avLst/>
+          </a:prstGeom>
+          <a:noFill/>
+        </p:spPr>
+        <p:txBody>
+          <a:bodyPr wrap="square">
+            <a:spAutoFit/>
+          </a:bodyPr>
+          <a:lstStyle/>
+          <a:p>
+            <a:pPr algn="l"/>
+            <a:r>
+              <a:rPr lang="es-ES" sz="1400" b="0" i="0" u="none" strike="noStrike" baseline="0" dirty="0">
+                <a:solidFill>
+                  <a:schemeClr val="bg1"/>
+                </a:solidFill>
+                <a:latin typeface="Arial" panose="020B0604020202020204" pitchFamily="34" charset="0"/>
+                <a:cs typeface="Arial" panose="020B0604020202020204" pitchFamily="34" charset="0"/>
+              </a:rPr>
+              <a:t>Este proyecto de base de datos está pensado para resolver las necesidades existente al catalogar </a:t>
+            </a:r>
+            <a:r>
+              <a:rPr lang="es-ES" sz="1400" b="0" i="0" u="none" strike="noStrike" baseline="0" dirty="0" err="1">
+                <a:solidFill>
+                  <a:schemeClr val="bg1"/>
+                </a:solidFill>
+                <a:latin typeface="Arial" panose="020B0604020202020204" pitchFamily="34" charset="0"/>
+                <a:cs typeface="Arial" panose="020B0604020202020204" pitchFamily="34" charset="0"/>
+              </a:rPr>
+              <a:t>poke</a:t>
+            </a:r>
+            <a:r>
+              <a:rPr lang="es-ES" dirty="0" err="1">
+                <a:solidFill>
+                  <a:schemeClr val="bg1"/>
+                </a:solidFill>
+                <a:latin typeface="Arial" panose="020B0604020202020204" pitchFamily="34" charset="0"/>
+                <a:cs typeface="Arial" panose="020B0604020202020204" pitchFamily="34" charset="0"/>
+              </a:rPr>
+              <a:t>mons</a:t>
+            </a:r>
+            <a:r>
+              <a:rPr lang="es-ES" dirty="0">
+                <a:solidFill>
+                  <a:schemeClr val="bg1"/>
+                </a:solidFill>
+                <a:latin typeface="Arial" panose="020B0604020202020204" pitchFamily="34" charset="0"/>
+                <a:cs typeface="Arial" panose="020B0604020202020204" pitchFamily="34" charset="0"/>
+              </a:rPr>
+              <a:t> con la finalidad de realizar una implementación no común o “</a:t>
+            </a:r>
+            <a:r>
+              <a:rPr lang="es-ES" dirty="0" err="1">
+                <a:solidFill>
+                  <a:schemeClr val="bg1"/>
+                </a:solidFill>
+                <a:latin typeface="Arial" panose="020B0604020202020204" pitchFamily="34" charset="0"/>
+                <a:cs typeface="Arial" panose="020B0604020202020204" pitchFamily="34" charset="0"/>
+              </a:rPr>
+              <a:t>by</a:t>
+            </a:r>
+            <a:r>
+              <a:rPr lang="es-ES" dirty="0">
+                <a:solidFill>
+                  <a:schemeClr val="bg1"/>
+                </a:solidFill>
+                <a:latin typeface="Arial" panose="020B0604020202020204" pitchFamily="34" charset="0"/>
+                <a:cs typeface="Arial" panose="020B0604020202020204" pitchFamily="34" charset="0"/>
+              </a:rPr>
+              <a:t> </a:t>
+            </a:r>
+            <a:r>
+              <a:rPr lang="es-ES" dirty="0" err="1">
+                <a:solidFill>
+                  <a:schemeClr val="bg1"/>
+                </a:solidFill>
+                <a:latin typeface="Arial" panose="020B0604020202020204" pitchFamily="34" charset="0"/>
+                <a:cs typeface="Arial" panose="020B0604020202020204" pitchFamily="34" charset="0"/>
+              </a:rPr>
+              <a:t>the</a:t>
+            </a:r>
+            <a:r>
+              <a:rPr lang="es-ES" dirty="0">
+                <a:solidFill>
+                  <a:schemeClr val="bg1"/>
+                </a:solidFill>
+                <a:latin typeface="Arial" panose="020B0604020202020204" pitchFamily="34" charset="0"/>
+                <a:cs typeface="Arial" panose="020B0604020202020204" pitchFamily="34" charset="0"/>
+              </a:rPr>
+              <a:t> </a:t>
+            </a:r>
+            <a:r>
+              <a:rPr lang="es-ES" dirty="0" err="1">
+                <a:solidFill>
+                  <a:schemeClr val="bg1"/>
+                </a:solidFill>
+                <a:latin typeface="Arial" panose="020B0604020202020204" pitchFamily="34" charset="0"/>
+                <a:cs typeface="Arial" panose="020B0604020202020204" pitchFamily="34" charset="0"/>
+              </a:rPr>
+              <a:t>book</a:t>
+            </a:r>
+            <a:r>
+              <a:rPr lang="es-ES" dirty="0">
+                <a:solidFill>
+                  <a:schemeClr val="bg1"/>
+                </a:solidFill>
+                <a:latin typeface="Arial" panose="020B0604020202020204" pitchFamily="34" charset="0"/>
+                <a:cs typeface="Arial" panose="020B0604020202020204" pitchFamily="34" charset="0"/>
+              </a:rPr>
+              <a:t> “como lo seria un </a:t>
+            </a:r>
+            <a:r>
+              <a:rPr lang="es-ES" dirty="0" err="1">
+                <a:solidFill>
+                  <a:schemeClr val="bg1"/>
+                </a:solidFill>
+                <a:latin typeface="Arial" panose="020B0604020202020204" pitchFamily="34" charset="0"/>
+                <a:cs typeface="Arial" panose="020B0604020202020204" pitchFamily="34" charset="0"/>
+              </a:rPr>
+              <a:t>ecommerce</a:t>
+            </a:r>
+            <a:r>
+              <a:rPr lang="es-ES" dirty="0">
+                <a:solidFill>
+                  <a:schemeClr val="bg1"/>
+                </a:solidFill>
+                <a:latin typeface="Arial" panose="020B0604020202020204" pitchFamily="34" charset="0"/>
+                <a:cs typeface="Arial" panose="020B0604020202020204" pitchFamily="34" charset="0"/>
+              </a:rPr>
+              <a:t> , manejo de inventarios , orden de compra , pasarela de pago y/o otros que tanto abundan en la literatura.</a:t>
+            </a:r>
+            <a:endParaRPr lang="es-ES" sz="1400" b="0" i="0" u="none" strike="noStrike" baseline="0" dirty="0">
+              <a:solidFill>
+                <a:schemeClr val="bg1"/>
+              </a:solidFill>
+              <a:latin typeface="Arial" panose="020B0604020202020204" pitchFamily="34" charset="0"/>
+              <a:cs typeface="Arial" panose="020B0604020202020204" pitchFamily="34" charset="0"/>
+            </a:endParaRPr>
+          </a:p>
+          <a:p>
+            <a:pPr algn="l"/>
+            <a:endParaRPr lang="es-ES" sz="1400" b="0" i="0" u="none" strike="noStrike" baseline="0" dirty="0">
+              <a:solidFill>
+                <a:schemeClr val="bg1"/>
+              </a:solidFill>
+              <a:latin typeface="Arial" panose="020B0604020202020204" pitchFamily="34" charset="0"/>
+              <a:cs typeface="Arial" panose="020B0604020202020204" pitchFamily="34" charset="0"/>
+            </a:endParaRPr>
+          </a:p>
+          <a:p>
+            <a:pPr algn="l"/>
+            <a:r>
+              <a:rPr lang="es-ES" sz="1400" b="0" i="0" u="none" strike="noStrike" baseline="0" dirty="0">
+                <a:solidFill>
+                  <a:schemeClr val="bg1"/>
+                </a:solidFill>
+                <a:latin typeface="Arial" panose="020B0604020202020204" pitchFamily="34" charset="0"/>
+                <a:cs typeface="Arial" panose="020B0604020202020204" pitchFamily="34" charset="0"/>
+              </a:rPr>
+              <a:t>Con esta finalidad hemos obviado la conceptualización de lo relacionado al </a:t>
+            </a:r>
+            <a:r>
+              <a:rPr lang="es-ES" sz="1400" b="0" i="0" u="none" strike="noStrike" baseline="0" dirty="0" err="1">
+                <a:solidFill>
+                  <a:schemeClr val="bg1"/>
+                </a:solidFill>
+                <a:latin typeface="Arial" panose="020B0604020202020204" pitchFamily="34" charset="0"/>
+                <a:cs typeface="Arial" panose="020B0604020202020204" pitchFamily="34" charset="0"/>
+              </a:rPr>
+              <a:t>eCommerce</a:t>
+            </a:r>
+            <a:r>
+              <a:rPr lang="es-ES" sz="1400" b="0" i="0" u="none" strike="noStrike" baseline="0" dirty="0">
+                <a:solidFill>
+                  <a:schemeClr val="bg1"/>
+                </a:solidFill>
+                <a:latin typeface="Arial" panose="020B0604020202020204" pitchFamily="34" charset="0"/>
+                <a:cs typeface="Arial" panose="020B0604020202020204" pitchFamily="34" charset="0"/>
+              </a:rPr>
+              <a:t> y nos hemos centrado en la organización de información de los </a:t>
+            </a:r>
+            <a:r>
+              <a:rPr lang="es-ES" sz="1400" b="0" i="0" u="none" strike="noStrike" baseline="0" dirty="0" err="1">
+                <a:solidFill>
+                  <a:schemeClr val="bg1"/>
+                </a:solidFill>
+                <a:latin typeface="Arial" panose="020B0604020202020204" pitchFamily="34" charset="0"/>
+                <a:cs typeface="Arial" panose="020B0604020202020204" pitchFamily="34" charset="0"/>
+              </a:rPr>
+              <a:t>pokermons</a:t>
+            </a:r>
+            <a:r>
+              <a:rPr lang="es-ES" sz="1400" b="0" i="0" u="none" strike="noStrike" baseline="0" dirty="0">
+                <a:solidFill>
+                  <a:schemeClr val="bg1"/>
+                </a:solidFill>
+                <a:latin typeface="Arial" panose="020B0604020202020204" pitchFamily="34" charset="0"/>
+                <a:cs typeface="Arial" panose="020B0604020202020204" pitchFamily="34" charset="0"/>
+              </a:rPr>
+              <a:t> a modo </a:t>
+            </a:r>
+            <a:r>
+              <a:rPr lang="es-ES" sz="1400" b="0" i="0" u="none" strike="noStrike" baseline="0" dirty="0" err="1">
+                <a:solidFill>
+                  <a:schemeClr val="bg1"/>
+                </a:solidFill>
+                <a:latin typeface="Arial" panose="020B0604020202020204" pitchFamily="34" charset="0"/>
+                <a:cs typeface="Arial" panose="020B0604020202020204" pitchFamily="34" charset="0"/>
+              </a:rPr>
+              <a:t>pokedex</a:t>
+            </a:r>
+            <a:r>
+              <a:rPr lang="es-ES" sz="1400" b="0" i="0" u="none" strike="noStrike" baseline="0" dirty="0">
+                <a:solidFill>
+                  <a:schemeClr val="bg1"/>
+                </a:solidFill>
+                <a:latin typeface="Arial" panose="020B0604020202020204" pitchFamily="34" charset="0"/>
+                <a:cs typeface="Arial" panose="020B0604020202020204" pitchFamily="34" charset="0"/>
+              </a:rPr>
+              <a:t> ( diccionario de </a:t>
+            </a:r>
+            <a:r>
+              <a:rPr lang="es-ES" sz="1400" b="0" i="0" u="none" strike="noStrike" baseline="0" dirty="0" err="1">
+                <a:solidFill>
+                  <a:schemeClr val="bg1"/>
+                </a:solidFill>
+                <a:latin typeface="Arial" panose="020B0604020202020204" pitchFamily="34" charset="0"/>
+                <a:cs typeface="Arial" panose="020B0604020202020204" pitchFamily="34" charset="0"/>
+              </a:rPr>
+              <a:t>pokemons</a:t>
+            </a:r>
+            <a:r>
+              <a:rPr lang="es-ES" sz="1400" b="0" i="0" u="none" strike="noStrike" baseline="0" dirty="0">
+                <a:solidFill>
+                  <a:schemeClr val="bg1"/>
+                </a:solidFill>
+                <a:latin typeface="Arial" panose="020B0604020202020204" pitchFamily="34" charset="0"/>
+                <a:cs typeface="Arial" panose="020B0604020202020204" pitchFamily="34" charset="0"/>
+              </a:rPr>
+              <a:t> ) . Esta empresa la cual denominaremos “BFF o </a:t>
+            </a:r>
+            <a:r>
+              <a:rPr lang="es-ES" sz="1400" b="0" i="0" u="none" strike="noStrike" baseline="0" dirty="0" err="1">
+                <a:solidFill>
+                  <a:schemeClr val="bg1"/>
+                </a:solidFill>
+                <a:latin typeface="Arial" panose="020B0604020202020204" pitchFamily="34" charset="0"/>
+                <a:cs typeface="Arial" panose="020B0604020202020204" pitchFamily="34" charset="0"/>
+              </a:rPr>
+              <a:t>Best</a:t>
+            </a:r>
+            <a:r>
+              <a:rPr lang="es-ES" sz="1400" b="0" i="0" u="none" strike="noStrike" baseline="0" dirty="0">
+                <a:solidFill>
+                  <a:schemeClr val="bg1"/>
+                </a:solidFill>
+                <a:latin typeface="Arial" panose="020B0604020202020204" pitchFamily="34" charset="0"/>
+                <a:cs typeface="Arial" panose="020B0604020202020204" pitchFamily="34" charset="0"/>
+              </a:rPr>
+              <a:t> </a:t>
+            </a:r>
+            <a:r>
+              <a:rPr lang="es-ES" sz="1400" b="0" i="0" u="none" strike="noStrike" baseline="0" dirty="0" err="1">
+                <a:solidFill>
+                  <a:schemeClr val="bg1"/>
+                </a:solidFill>
+                <a:latin typeface="Arial" panose="020B0604020202020204" pitchFamily="34" charset="0"/>
+                <a:cs typeface="Arial" panose="020B0604020202020204" pitchFamily="34" charset="0"/>
+              </a:rPr>
+              <a:t>Friend</a:t>
+            </a:r>
+            <a:r>
+              <a:rPr lang="es-ES" sz="1400" b="0" i="0" u="none" strike="noStrike" baseline="0" dirty="0">
+                <a:solidFill>
+                  <a:schemeClr val="bg1"/>
+                </a:solidFill>
+                <a:latin typeface="Arial" panose="020B0604020202020204" pitchFamily="34" charset="0"/>
+                <a:cs typeface="Arial" panose="020B0604020202020204" pitchFamily="34" charset="0"/>
+              </a:rPr>
+              <a:t> </a:t>
+            </a:r>
+            <a:r>
+              <a:rPr lang="es-ES" sz="1400" b="0" i="0" u="none" strike="noStrike" baseline="0" dirty="0" err="1">
+                <a:solidFill>
+                  <a:schemeClr val="bg1"/>
+                </a:solidFill>
+                <a:latin typeface="Arial" panose="020B0604020202020204" pitchFamily="34" charset="0"/>
+                <a:cs typeface="Arial" panose="020B0604020202020204" pitchFamily="34" charset="0"/>
+              </a:rPr>
+              <a:t>Forever</a:t>
+            </a:r>
+            <a:r>
+              <a:rPr lang="es-ES" sz="1400" b="0" i="0" u="none" strike="noStrike" baseline="0" dirty="0">
+                <a:solidFill>
+                  <a:schemeClr val="bg1"/>
+                </a:solidFill>
+                <a:latin typeface="Arial" panose="020B0604020202020204" pitchFamily="34" charset="0"/>
+                <a:cs typeface="Arial" panose="020B0604020202020204" pitchFamily="34" charset="0"/>
+              </a:rPr>
+              <a:t>” permitirá visualizar la información relacionad a </a:t>
+            </a:r>
+            <a:r>
+              <a:rPr lang="es-ES" sz="1400" b="0" i="0" u="none" strike="noStrike" baseline="0" dirty="0" err="1">
+                <a:solidFill>
+                  <a:schemeClr val="bg1"/>
+                </a:solidFill>
+                <a:latin typeface="Arial" panose="020B0604020202020204" pitchFamily="34" charset="0"/>
+                <a:cs typeface="Arial" panose="020B0604020202020204" pitchFamily="34" charset="0"/>
+              </a:rPr>
+              <a:t>pokemons</a:t>
+            </a:r>
+            <a:r>
+              <a:rPr lang="es-ES" sz="1400" b="0" i="0" u="none" strike="noStrike" baseline="0" dirty="0">
+                <a:solidFill>
+                  <a:schemeClr val="bg1"/>
+                </a:solidFill>
+                <a:latin typeface="Arial" panose="020B0604020202020204" pitchFamily="34" charset="0"/>
+                <a:cs typeface="Arial" panose="020B0604020202020204" pitchFamily="34" charset="0"/>
+              </a:rPr>
+              <a:t> </a:t>
+            </a:r>
+            <a:r>
+              <a:rPr lang="es-ES" sz="1400" b="0" i="0" u="none" strike="noStrike" baseline="0" dirty="0" err="1">
+                <a:solidFill>
+                  <a:schemeClr val="bg1"/>
+                </a:solidFill>
+                <a:latin typeface="Arial" panose="020B0604020202020204" pitchFamily="34" charset="0"/>
+                <a:cs typeface="Arial" panose="020B0604020202020204" pitchFamily="34" charset="0"/>
+              </a:rPr>
+              <a:t>deacuerdo</a:t>
+            </a:r>
+            <a:r>
+              <a:rPr lang="es-ES" sz="1400" b="0" i="0" u="none" strike="noStrike" baseline="0" dirty="0">
+                <a:solidFill>
+                  <a:schemeClr val="bg1"/>
+                </a:solidFill>
+                <a:latin typeface="Arial" panose="020B0604020202020204" pitchFamily="34" charset="0"/>
+                <a:cs typeface="Arial" panose="020B0604020202020204" pitchFamily="34" charset="0"/>
+              </a:rPr>
+              <a:t> al </a:t>
+            </a:r>
+            <a:r>
+              <a:rPr lang="es-ES" sz="1400" b="0" i="0" u="none" strike="noStrike" baseline="0" dirty="0" err="1">
+                <a:solidFill>
+                  <a:schemeClr val="bg1"/>
+                </a:solidFill>
+                <a:latin typeface="Arial" panose="020B0604020202020204" pitchFamily="34" charset="0"/>
+                <a:cs typeface="Arial" panose="020B0604020202020204" pitchFamily="34" charset="0"/>
+              </a:rPr>
+              <a:t>cannon</a:t>
+            </a:r>
+            <a:r>
+              <a:rPr lang="es-ES" sz="1400" b="0" i="0" u="none" strike="noStrike" baseline="0" dirty="0">
+                <a:solidFill>
+                  <a:schemeClr val="bg1"/>
+                </a:solidFill>
+                <a:latin typeface="Arial" panose="020B0604020202020204" pitchFamily="34" charset="0"/>
+                <a:cs typeface="Arial" panose="020B0604020202020204" pitchFamily="34" charset="0"/>
+              </a:rPr>
+              <a:t> original de la serie de TV</a:t>
+            </a:r>
+          </a:p>
+          <a:p>
+            <a:pPr algn="l"/>
+            <a:endParaRPr lang="es-ES" sz="1400" b="0" i="0" u="none" strike="noStrike" baseline="0" dirty="0">
+              <a:solidFill>
+                <a:schemeClr val="bg1"/>
+              </a:solidFill>
+              <a:latin typeface="Lexend-Regular"/>
+            </a:endParaRPr>
+          </a:p>
+        </p:txBody>
+      </p:sp>
+      <p:pic>
+        <p:nvPicPr>
+          <p:cNvPr id="1027" name="Picture 3" descr="site_slug">
+            <a:extLst>
+              <a:ext uri="{FF2B5EF4-FFF2-40B4-BE49-F238E27FC236}">
+                <a16:creationId xmlns:a16="http://schemas.microsoft.com/office/drawing/2014/main" id="{77C4C512-44C2-404E-A4B1-16C1FB51DFDD}"/>
+              </a:ext>
+            </a:extLst>
+          </p:cNvPr>
+          <p:cNvPicPr>
+            <a:picLocks noChangeAspect="1" noChangeArrowheads="1"/>
+          </p:cNvPicPr>
+          <p:nvPr/>
+        </p:nvPicPr>
+        <p:blipFill>
+          <a:blip r:embed="rId2">
+            <a:extLst>
+              <a:ext uri="{28A0092B-C50C-407E-A947-70E740481C1C}">
+                <a14:useLocalDpi xmlns:a14="http://schemas.microsoft.com/office/drawing/2010/main" val="0"/>
+              </a:ext>
+            </a:extLst>
+          </a:blip>
+          <a:srcRect/>
+          <a:stretch>
+            <a:fillRect/>
+          </a:stretch>
+        </p:blipFill>
+        <p:spPr bwMode="auto">
+          <a:xfrm>
+            <a:off x="7413702" y="141335"/>
+            <a:ext cx="1439352" cy="819884"/>
+          </a:xfrm>
+          <a:prstGeom prst="rect">
+            <a:avLst/>
+          </a:prstGeom>
+          <a:noFill/>
+          <a:extLst>
+            <a:ext uri="{909E8E84-426E-40DD-AFC4-6F175D3DCCD1}">
+              <a14:hiddenFill xmlns:a14="http://schemas.microsoft.com/office/drawing/2010/main">
+                <a:solidFill>
+                  <a:srgbClr val="FFFFFF"/>
+                </a:solidFill>
+              </a14:hiddenFill>
+            </a:ext>
+          </a:extLst>
+        </p:spPr>
+      </p:pic>
+      <p:pic>
+        <p:nvPicPr>
+          <p:cNvPr id="7" name="Google Shape;284;p52">
+            <a:extLst>
+              <a:ext uri="{FF2B5EF4-FFF2-40B4-BE49-F238E27FC236}">
+                <a16:creationId xmlns:a16="http://schemas.microsoft.com/office/drawing/2014/main" id="{86A63FE2-352C-4133-9431-D45ACDD210EE}"/>
+              </a:ext>
+            </a:extLst>
+          </p:cNvPr>
+          <p:cNvPicPr preferRelativeResize="0"/>
+          <p:nvPr/>
+        </p:nvPicPr>
+        <p:blipFill>
+          <a:blip r:embed="rId3">
+            <a:alphaModFix/>
+          </a:blip>
+          <a:stretch>
+            <a:fillRect/>
+          </a:stretch>
+        </p:blipFill>
+        <p:spPr>
+          <a:xfrm>
+            <a:off x="6620191" y="3771901"/>
+            <a:ext cx="1291832" cy="761718"/>
+          </a:xfrm>
+          <a:prstGeom prst="rect">
+            <a:avLst/>
+          </a:prstGeom>
+          <a:noFill/>
+          <a:ln>
+            <a:noFill/>
+          </a:ln>
+        </p:spPr>
+      </p:pic>
+      <p:pic>
+        <p:nvPicPr>
+          <p:cNvPr id="8" name="Google Shape;285;p52">
+            <a:extLst>
+              <a:ext uri="{FF2B5EF4-FFF2-40B4-BE49-F238E27FC236}">
+                <a16:creationId xmlns:a16="http://schemas.microsoft.com/office/drawing/2014/main" id="{3D38C3CD-418A-430E-AC28-8AEBA39FF8B2}"/>
+              </a:ext>
+            </a:extLst>
+          </p:cNvPr>
+          <p:cNvPicPr preferRelativeResize="0"/>
+          <p:nvPr/>
+        </p:nvPicPr>
+        <p:blipFill rotWithShape="1">
+          <a:blip r:embed="rId4">
+            <a:alphaModFix/>
+          </a:blip>
+          <a:srcRect/>
+          <a:stretch/>
+        </p:blipFill>
+        <p:spPr>
+          <a:xfrm>
+            <a:off x="6620191" y="4535789"/>
+            <a:ext cx="1186201" cy="330480"/>
+          </a:xfrm>
+          <a:prstGeom prst="rect">
+            <a:avLst/>
+          </a:prstGeom>
+          <a:noFill/>
+          <a:ln>
+            <a:noFill/>
+          </a:ln>
+        </p:spPr>
+      </p:pic>
+      <p:pic>
+        <p:nvPicPr>
+          <p:cNvPr id="9" name="Imagen 8">
+            <a:hlinkClick r:id="rId5"/>
+            <a:extLst>
+              <a:ext uri="{FF2B5EF4-FFF2-40B4-BE49-F238E27FC236}">
+                <a16:creationId xmlns:a16="http://schemas.microsoft.com/office/drawing/2014/main" id="{39848E20-3811-4ED7-B862-851E6DCE3DE6}"/>
+              </a:ext>
+            </a:extLst>
+          </p:cNvPr>
+          <p:cNvPicPr>
+            <a:picLocks noChangeAspect="1"/>
+          </p:cNvPicPr>
+          <p:nvPr/>
+        </p:nvPicPr>
+        <p:blipFill>
+          <a:blip r:embed="rId6"/>
+          <a:stretch>
+            <a:fillRect/>
+          </a:stretch>
+        </p:blipFill>
+        <p:spPr>
+          <a:xfrm>
+            <a:off x="363683" y="833816"/>
+            <a:ext cx="2830654" cy="3377682"/>
+          </a:xfrm>
+          <a:prstGeom prst="rect">
+            <a:avLst/>
+          </a:prstGeom>
+        </p:spPr>
+      </p:pic>
+      <p:sp>
+        <p:nvSpPr>
+          <p:cNvPr id="12" name="CuadroTexto 11">
+            <a:extLst>
+              <a:ext uri="{FF2B5EF4-FFF2-40B4-BE49-F238E27FC236}">
+                <a16:creationId xmlns:a16="http://schemas.microsoft.com/office/drawing/2014/main" id="{492C0995-B37F-4465-86AD-F8F85EA81CFA}"/>
+              </a:ext>
+            </a:extLst>
+          </p:cNvPr>
+          <p:cNvSpPr txBox="1"/>
+          <p:nvPr/>
+        </p:nvSpPr>
+        <p:spPr>
+          <a:xfrm>
+            <a:off x="237810" y="4278245"/>
+            <a:ext cx="5913608" cy="600164"/>
+          </a:xfrm>
+          <a:prstGeom prst="rect">
+            <a:avLst/>
+          </a:prstGeom>
+          <a:noFill/>
+        </p:spPr>
+        <p:txBody>
+          <a:bodyPr wrap="square">
+            <a:spAutoFit/>
+          </a:bodyPr>
+          <a:lstStyle/>
+          <a:p>
+            <a:r>
+              <a:rPr lang="es-PE" sz="1100" b="1" dirty="0" err="1">
+                <a:solidFill>
+                  <a:schemeClr val="bg1"/>
+                </a:solidFill>
+              </a:rPr>
+              <a:t>Github</a:t>
+            </a:r>
+            <a:r>
+              <a:rPr lang="es-PE" sz="1100" b="1" dirty="0">
+                <a:solidFill>
+                  <a:schemeClr val="bg1"/>
+                </a:solidFill>
+              </a:rPr>
+              <a:t> </a:t>
+            </a:r>
+            <a:r>
+              <a:rPr lang="es-PE" sz="1100" b="1" dirty="0" err="1">
+                <a:solidFill>
+                  <a:schemeClr val="bg1"/>
+                </a:solidFill>
+              </a:rPr>
+              <a:t>Ecommerce</a:t>
+            </a:r>
+            <a:r>
+              <a:rPr lang="es-PE" sz="1100" b="1" dirty="0">
+                <a:solidFill>
+                  <a:schemeClr val="bg1"/>
+                </a:solidFill>
+              </a:rPr>
+              <a:t> : https://github.com/JesusRamirezGamarra/CH-eCommerce-Final</a:t>
+            </a:r>
+          </a:p>
+          <a:p>
+            <a:r>
+              <a:rPr lang="es-PE" sz="1100" b="1" dirty="0">
+                <a:solidFill>
+                  <a:schemeClr val="bg1"/>
+                </a:solidFill>
+              </a:rPr>
+              <a:t>URL : https://ch-ecommerce-final-production.up.railway.app/</a:t>
+            </a:r>
+          </a:p>
+          <a:p>
+            <a:r>
+              <a:rPr lang="es-PE" sz="1100" b="1" dirty="0" err="1">
+                <a:solidFill>
+                  <a:schemeClr val="bg1"/>
+                </a:solidFill>
+              </a:rPr>
+              <a:t>Github</a:t>
+            </a:r>
+            <a:r>
+              <a:rPr lang="es-PE" sz="1100" b="1" dirty="0">
+                <a:solidFill>
+                  <a:schemeClr val="bg1"/>
+                </a:solidFill>
+              </a:rPr>
+              <a:t> SQL : https://github.com/JesusRamirezGamarra/MySQL-POKEBASE</a:t>
+            </a:r>
+          </a:p>
+        </p:txBody>
+      </p:sp>
+    </p:spTree>
+    <p:extLst>
+      <p:ext uri="{BB962C8B-B14F-4D97-AF65-F5344CB8AC3E}">
+        <p14:creationId xmlns:p14="http://schemas.microsoft.com/office/powerpoint/2010/main" val="494007512"/>
+      </p:ext>
+    </p:extLst>
+  </p:cSld>
+  <p:clrMapOvr>
+    <a:masterClrMapping/>
+  </p:clrMapOvr>
+</p:sld>
+</file>
+
+<file path=ppt/slides/slide4.xml><?xml version="1.0" encoding="utf-8"?>
+<p:sld xmlns:a="http://schemas.openxmlformats.org/drawingml/2006/main" xmlns:r="http://schemas.openxmlformats.org/officeDocument/2006/relationships" xmlns:p="http://schemas.openxmlformats.org/presentationml/2006/main">
+  <p:cSld>
+    <p:bg>
+      <p:bgPr>
+        <a:solidFill>
+          <a:srgbClr val="9E473D"/>
+        </a:solidFill>
+        <a:effectLst/>
+      </p:bgPr>
+    </p:bg>
+    <p:spTree>
+      <p:nvGrpSpPr>
+        <p:cNvPr id="1" name="Shape 281"/>
+        <p:cNvGrpSpPr/>
+        <p:nvPr/>
+      </p:nvGrpSpPr>
+      <p:grpSpPr>
+        <a:xfrm>
+          <a:off x="0" y="0"/>
+          <a:ext cx="0" cy="0"/>
+          <a:chOff x="0" y="0"/>
+          <a:chExt cx="0" cy="0"/>
+        </a:xfrm>
+      </p:grpSpPr>
+      <p:sp>
+        <p:nvSpPr>
+          <p:cNvPr id="6" name="CuadroTexto 5">
+            <a:extLst>
+              <a:ext uri="{FF2B5EF4-FFF2-40B4-BE49-F238E27FC236}">
+                <a16:creationId xmlns:a16="http://schemas.microsoft.com/office/drawing/2014/main" id="{9F3703E4-B001-49A7-918C-E9DACDA006C4}"/>
+              </a:ext>
+            </a:extLst>
+          </p:cNvPr>
+          <p:cNvSpPr txBox="1"/>
+          <p:nvPr/>
+        </p:nvSpPr>
+        <p:spPr>
+          <a:xfrm>
+            <a:off x="2805545" y="237132"/>
+            <a:ext cx="3532909" cy="400110"/>
+          </a:xfrm>
+          <a:prstGeom prst="rect">
+            <a:avLst/>
+          </a:prstGeom>
+          <a:noFill/>
+        </p:spPr>
+        <p:txBody>
+          <a:bodyPr wrap="square" rtlCol="0">
+            <a:spAutoFit/>
+          </a:bodyPr>
+          <a:lstStyle/>
+          <a:p>
+            <a:pPr algn="ctr"/>
+            <a:r>
+              <a:rPr lang="en-US" sz="2000" dirty="0">
+                <a:solidFill>
+                  <a:schemeClr val="bg1"/>
+                </a:solidFill>
+              </a:rPr>
+              <a:t>DIAGRAMA E-R</a:t>
+            </a:r>
+            <a:endParaRPr lang="es-PE" sz="2000" dirty="0">
+              <a:solidFill>
+                <a:schemeClr val="bg1"/>
+              </a:solidFill>
+            </a:endParaRPr>
+          </a:p>
+        </p:txBody>
+      </p:sp>
+      <p:pic>
+        <p:nvPicPr>
+          <p:cNvPr id="3" name="Imagen 2">
+            <a:hlinkClick r:id="rId3"/>
+            <a:extLst>
+              <a:ext uri="{FF2B5EF4-FFF2-40B4-BE49-F238E27FC236}">
+                <a16:creationId xmlns:a16="http://schemas.microsoft.com/office/drawing/2014/main" id="{A1427A76-164F-4258-A40C-954CFB3520B4}"/>
+              </a:ext>
+            </a:extLst>
+          </p:cNvPr>
+          <p:cNvPicPr>
+            <a:picLocks noChangeAspect="1"/>
+          </p:cNvPicPr>
+          <p:nvPr/>
+        </p:nvPicPr>
+        <p:blipFill>
+          <a:blip r:embed="rId4"/>
+          <a:stretch>
+            <a:fillRect/>
+          </a:stretch>
+        </p:blipFill>
+        <p:spPr>
+          <a:xfrm>
+            <a:off x="644236" y="1492243"/>
+            <a:ext cx="3418609" cy="2795712"/>
+          </a:xfrm>
+          <a:prstGeom prst="rect">
+            <a:avLst/>
+          </a:prstGeom>
+        </p:spPr>
+      </p:pic>
+      <p:pic>
+        <p:nvPicPr>
+          <p:cNvPr id="5" name="Imagen 4">
+            <a:hlinkClick r:id="rId5"/>
+            <a:extLst>
+              <a:ext uri="{FF2B5EF4-FFF2-40B4-BE49-F238E27FC236}">
+                <a16:creationId xmlns:a16="http://schemas.microsoft.com/office/drawing/2014/main" id="{AC46B00F-9D0E-4EEE-9D7B-84AA259553DD}"/>
+              </a:ext>
+            </a:extLst>
+          </p:cNvPr>
+          <p:cNvPicPr>
+            <a:picLocks noChangeAspect="1"/>
+          </p:cNvPicPr>
+          <p:nvPr/>
+        </p:nvPicPr>
+        <p:blipFill>
+          <a:blip r:embed="rId6"/>
+          <a:stretch>
+            <a:fillRect/>
+          </a:stretch>
+        </p:blipFill>
+        <p:spPr>
+          <a:xfrm>
+            <a:off x="4787234" y="1492243"/>
+            <a:ext cx="4013865" cy="2811973"/>
+          </a:xfrm>
+          <a:prstGeom prst="rect">
+            <a:avLst/>
+          </a:prstGeom>
+        </p:spPr>
+      </p:pic>
+      <p:sp>
+        <p:nvSpPr>
+          <p:cNvPr id="8" name="CuadroTexto 7">
+            <a:extLst>
+              <a:ext uri="{FF2B5EF4-FFF2-40B4-BE49-F238E27FC236}">
+                <a16:creationId xmlns:a16="http://schemas.microsoft.com/office/drawing/2014/main" id="{BA23102A-6131-4D3B-939B-CC5589A01586}"/>
+              </a:ext>
+            </a:extLst>
+          </p:cNvPr>
+          <p:cNvSpPr txBox="1"/>
+          <p:nvPr/>
+        </p:nvSpPr>
+        <p:spPr>
+          <a:xfrm>
+            <a:off x="529936" y="971423"/>
+            <a:ext cx="3532909" cy="400110"/>
+          </a:xfrm>
+          <a:prstGeom prst="rect">
+            <a:avLst/>
+          </a:prstGeom>
+          <a:noFill/>
+        </p:spPr>
+        <p:txBody>
+          <a:bodyPr wrap="square" rtlCol="0">
+            <a:spAutoFit/>
+          </a:bodyPr>
+          <a:lstStyle/>
+          <a:p>
+            <a:pPr algn="ctr"/>
+            <a:r>
+              <a:rPr lang="en-US" sz="2000" dirty="0">
+                <a:solidFill>
+                  <a:schemeClr val="bg1"/>
+                </a:solidFill>
+              </a:rPr>
+              <a:t>CONCEPTUAL</a:t>
+            </a:r>
+            <a:endParaRPr lang="es-PE" sz="2000" dirty="0">
+              <a:solidFill>
+                <a:schemeClr val="bg1"/>
+              </a:solidFill>
+            </a:endParaRPr>
+          </a:p>
+        </p:txBody>
+      </p:sp>
+      <p:sp>
+        <p:nvSpPr>
+          <p:cNvPr id="9" name="CuadroTexto 8">
+            <a:extLst>
+              <a:ext uri="{FF2B5EF4-FFF2-40B4-BE49-F238E27FC236}">
+                <a16:creationId xmlns:a16="http://schemas.microsoft.com/office/drawing/2014/main" id="{A866437F-FBA3-44D6-B79C-F483F3E20072}"/>
+              </a:ext>
+            </a:extLst>
+          </p:cNvPr>
+          <p:cNvSpPr txBox="1"/>
+          <p:nvPr/>
+        </p:nvSpPr>
+        <p:spPr>
+          <a:xfrm>
+            <a:off x="5081155" y="857371"/>
+            <a:ext cx="3532909" cy="400110"/>
+          </a:xfrm>
+          <a:prstGeom prst="rect">
+            <a:avLst/>
+          </a:prstGeom>
+          <a:noFill/>
+        </p:spPr>
+        <p:txBody>
+          <a:bodyPr wrap="square" rtlCol="0">
+            <a:spAutoFit/>
+          </a:bodyPr>
+          <a:lstStyle/>
+          <a:p>
+            <a:pPr algn="ctr"/>
+            <a:r>
+              <a:rPr lang="en-US" sz="2000" dirty="0">
+                <a:solidFill>
+                  <a:schemeClr val="bg1"/>
+                </a:solidFill>
+              </a:rPr>
+              <a:t>ESQUEMATICO</a:t>
+            </a:r>
+            <a:endParaRPr lang="es-PE" sz="2000" dirty="0">
+              <a:solidFill>
+                <a:schemeClr val="bg1"/>
+              </a:solidFill>
+            </a:endParaRPr>
+          </a:p>
+        </p:txBody>
+      </p:sp>
+    </p:spTree>
+    <p:extLst>
+      <p:ext uri="{BB962C8B-B14F-4D97-AF65-F5344CB8AC3E}">
+        <p14:creationId xmlns:p14="http://schemas.microsoft.com/office/powerpoint/2010/main" val="1022547804"/>
+      </p:ext>
+    </p:extLst>
+  </p:cSld>
+  <p:clrMapOvr>
+    <a:masterClrMapping/>
+  </p:clrMapOvr>
+</p:sld>
+</file>
+
+<file path=ppt/slides/slide5.xml><?xml version="1.0" encoding="utf-8"?>
+<p:sld xmlns:a="http://schemas.openxmlformats.org/drawingml/2006/main" xmlns:r="http://schemas.openxmlformats.org/officeDocument/2006/relationships" xmlns:p="http://schemas.openxmlformats.org/presentationml/2006/main">
+  <p:cSld>
+    <p:bg>
+      <p:bgPr>
+        <a:solidFill>
+          <a:srgbClr val="9E473D"/>
+        </a:solidFill>
+        <a:effectLst/>
+      </p:bgPr>
+    </p:bg>
+    <p:spTree>
+      <p:nvGrpSpPr>
+        <p:cNvPr id="1" name="Shape 281"/>
+        <p:cNvGrpSpPr/>
+        <p:nvPr/>
+      </p:nvGrpSpPr>
+      <p:grpSpPr>
+        <a:xfrm>
+          <a:off x="0" y="0"/>
+          <a:ext cx="0" cy="0"/>
+          <a:chOff x="0" y="0"/>
+          <a:chExt cx="0" cy="0"/>
+        </a:xfrm>
+      </p:grpSpPr>
+      <p:sp>
+        <p:nvSpPr>
+          <p:cNvPr id="6" name="CuadroTexto 5">
+            <a:extLst>
+              <a:ext uri="{FF2B5EF4-FFF2-40B4-BE49-F238E27FC236}">
+                <a16:creationId xmlns:a16="http://schemas.microsoft.com/office/drawing/2014/main" id="{9F3703E4-B001-49A7-918C-E9DACDA006C4}"/>
+              </a:ext>
+            </a:extLst>
+          </p:cNvPr>
+          <p:cNvSpPr txBox="1"/>
+          <p:nvPr/>
+        </p:nvSpPr>
+        <p:spPr>
+          <a:xfrm>
+            <a:off x="2805545" y="237132"/>
+            <a:ext cx="3532909" cy="400110"/>
+          </a:xfrm>
+          <a:prstGeom prst="rect">
+            <a:avLst/>
+          </a:prstGeom>
+          <a:noFill/>
+        </p:spPr>
+        <p:txBody>
+          <a:bodyPr wrap="square" rtlCol="0">
+            <a:spAutoFit/>
+          </a:bodyPr>
+          <a:lstStyle/>
+          <a:p>
+            <a:pPr algn="ctr"/>
+            <a:r>
+              <a:rPr lang="en-US" sz="2000" dirty="0">
+                <a:solidFill>
+                  <a:schemeClr val="bg1"/>
+                </a:solidFill>
+              </a:rPr>
+              <a:t>DICCIONARIO DE DATOS</a:t>
+            </a:r>
+            <a:endParaRPr lang="es-PE" sz="2000" dirty="0">
+              <a:solidFill>
+                <a:schemeClr val="bg1"/>
+              </a:solidFill>
+            </a:endParaRPr>
+          </a:p>
+        </p:txBody>
+      </p:sp>
+      <p:pic>
+        <p:nvPicPr>
+          <p:cNvPr id="3" name="Imagen 2">
+            <a:hlinkClick r:id="rId3"/>
+            <a:extLst>
+              <a:ext uri="{FF2B5EF4-FFF2-40B4-BE49-F238E27FC236}">
+                <a16:creationId xmlns:a16="http://schemas.microsoft.com/office/drawing/2014/main" id="{84932234-FE97-4F87-81B3-9F607C8D6AB9}"/>
+              </a:ext>
+            </a:extLst>
+          </p:cNvPr>
+          <p:cNvPicPr>
+            <a:picLocks noChangeAspect="1"/>
+          </p:cNvPicPr>
+          <p:nvPr/>
+        </p:nvPicPr>
+        <p:blipFill>
+          <a:blip r:embed="rId4"/>
+          <a:stretch>
+            <a:fillRect/>
+          </a:stretch>
+        </p:blipFill>
+        <p:spPr>
+          <a:xfrm>
+            <a:off x="1496289" y="1194176"/>
+            <a:ext cx="6338455" cy="2929664"/>
+          </a:xfrm>
+          <a:prstGeom prst="rect">
+            <a:avLst/>
+          </a:prstGeom>
+        </p:spPr>
+      </p:pic>
+    </p:spTree>
+    <p:extLst>
+      <p:ext uri="{BB962C8B-B14F-4D97-AF65-F5344CB8AC3E}">
+        <p14:creationId xmlns:p14="http://schemas.microsoft.com/office/powerpoint/2010/main" val="3540339105"/>
+      </p:ext>
+    </p:extLst>
+  </p:cSld>
+  <p:clrMapOvr>
+    <a:masterClrMapping/>
+  </p:clrMapOvr>
+</p:sld>
+</file>
+
+<file path=ppt/slides/slide6.xml><?xml version="1.0" encoding="utf-8"?>
+<p:sld xmlns:a="http://schemas.openxmlformats.org/drawingml/2006/main" xmlns:r="http://schemas.openxmlformats.org/officeDocument/2006/relationships" xmlns:p="http://schemas.openxmlformats.org/presentationml/2006/main">
+  <p:cSld>
+    <p:bg>
+      <p:bgPr>
+        <a:solidFill>
+          <a:srgbClr val="9E473D"/>
+        </a:solidFill>
+        <a:effectLst/>
+      </p:bgPr>
+    </p:bg>
+    <p:spTree>
+      <p:nvGrpSpPr>
+        <p:cNvPr id="1" name="Shape 281"/>
+        <p:cNvGrpSpPr/>
+        <p:nvPr/>
+      </p:nvGrpSpPr>
+      <p:grpSpPr>
+        <a:xfrm>
+          <a:off x="0" y="0"/>
+          <a:ext cx="0" cy="0"/>
+          <a:chOff x="0" y="0"/>
+          <a:chExt cx="0" cy="0"/>
+        </a:xfrm>
+      </p:grpSpPr>
+      <p:sp>
+        <p:nvSpPr>
+          <p:cNvPr id="6" name="CuadroTexto 5">
+            <a:extLst>
+              <a:ext uri="{FF2B5EF4-FFF2-40B4-BE49-F238E27FC236}">
+                <a16:creationId xmlns:a16="http://schemas.microsoft.com/office/drawing/2014/main" id="{9F3703E4-B001-49A7-918C-E9DACDA006C4}"/>
+              </a:ext>
+            </a:extLst>
+          </p:cNvPr>
+          <p:cNvSpPr txBox="1"/>
+          <p:nvPr/>
+        </p:nvSpPr>
+        <p:spPr>
+          <a:xfrm>
+            <a:off x="2805545" y="237132"/>
+            <a:ext cx="3532909" cy="400110"/>
+          </a:xfrm>
+          <a:prstGeom prst="rect">
+            <a:avLst/>
+          </a:prstGeom>
+          <a:noFill/>
+        </p:spPr>
+        <p:txBody>
+          <a:bodyPr wrap="square" rtlCol="0">
+            <a:spAutoFit/>
+          </a:bodyPr>
+          <a:lstStyle/>
+          <a:p>
+            <a:pPr algn="ctr"/>
+            <a:r>
+              <a:rPr lang="en-US" sz="2000" dirty="0">
+                <a:solidFill>
+                  <a:schemeClr val="bg1"/>
+                </a:solidFill>
+              </a:rPr>
+              <a:t>SCRIPT SQL</a:t>
+            </a:r>
+            <a:endParaRPr lang="es-PE" sz="2000" dirty="0">
+              <a:solidFill>
+                <a:schemeClr val="bg1"/>
+              </a:solidFill>
+            </a:endParaRPr>
+          </a:p>
+        </p:txBody>
+      </p:sp>
+      <p:pic>
+        <p:nvPicPr>
+          <p:cNvPr id="3" name="Imagen 2">
+            <a:hlinkClick r:id="rId3"/>
+            <a:extLst>
+              <a:ext uri="{FF2B5EF4-FFF2-40B4-BE49-F238E27FC236}">
+                <a16:creationId xmlns:a16="http://schemas.microsoft.com/office/drawing/2014/main" id="{BC2702B1-56D7-4329-91A0-F9D62018FF30}"/>
+              </a:ext>
+            </a:extLst>
+          </p:cNvPr>
+          <p:cNvPicPr>
+            <a:picLocks noChangeAspect="1"/>
+          </p:cNvPicPr>
+          <p:nvPr/>
+        </p:nvPicPr>
+        <p:blipFill>
+          <a:blip r:embed="rId4"/>
+          <a:stretch>
+            <a:fillRect/>
+          </a:stretch>
+        </p:blipFill>
+        <p:spPr>
+          <a:xfrm>
+            <a:off x="1153391" y="926136"/>
+            <a:ext cx="7000604" cy="3656565"/>
+          </a:xfrm>
+          <a:prstGeom prst="rect">
+            <a:avLst/>
+          </a:prstGeom>
+        </p:spPr>
+      </p:pic>
+    </p:spTree>
+    <p:extLst>
+      <p:ext uri="{BB962C8B-B14F-4D97-AF65-F5344CB8AC3E}">
+        <p14:creationId xmlns:p14="http://schemas.microsoft.com/office/powerpoint/2010/main" val="2840733234"/>
+      </p:ext>
+    </p:extLst>
+  </p:cSld>
+  <p:clrMapOvr>
+    <a:masterClrMapping/>
+  </p:clrMapOvr>
+</p:sld>
+</file>
+
+<file path=ppt/slides/slide7.xml><?xml version="1.0" encoding="utf-8"?>
+<p:sld xmlns:a="http://schemas.openxmlformats.org/drawingml/2006/main" xmlns:r="http://schemas.openxmlformats.org/officeDocument/2006/relationships" xmlns:p="http://schemas.openxmlformats.org/presentationml/2006/main">
+  <p:cSld>
+    <p:bg>
+      <p:bgPr>
+        <a:solidFill>
+          <a:srgbClr val="9E473D"/>
+        </a:solidFill>
+        <a:effectLst/>
+      </p:bgPr>
+    </p:bg>
+    <p:spTree>
+      <p:nvGrpSpPr>
+        <p:cNvPr id="1" name="Shape 281"/>
+        <p:cNvGrpSpPr/>
+        <p:nvPr/>
+      </p:nvGrpSpPr>
+      <p:grpSpPr>
+        <a:xfrm>
+          <a:off x="0" y="0"/>
+          <a:ext cx="0" cy="0"/>
+          <a:chOff x="0" y="0"/>
+          <a:chExt cx="0" cy="0"/>
+        </a:xfrm>
+      </p:grpSpPr>
+      <p:sp>
+        <p:nvSpPr>
+          <p:cNvPr id="6" name="CuadroTexto 5">
+            <a:extLst>
+              <a:ext uri="{FF2B5EF4-FFF2-40B4-BE49-F238E27FC236}">
+                <a16:creationId xmlns:a16="http://schemas.microsoft.com/office/drawing/2014/main" id="{9F3703E4-B001-49A7-918C-E9DACDA006C4}"/>
+              </a:ext>
+            </a:extLst>
+          </p:cNvPr>
+          <p:cNvSpPr txBox="1"/>
+          <p:nvPr/>
+        </p:nvSpPr>
+        <p:spPr>
+          <a:xfrm>
+            <a:off x="2805545" y="237132"/>
+            <a:ext cx="3532909" cy="400110"/>
+          </a:xfrm>
+          <a:prstGeom prst="rect">
+            <a:avLst/>
+          </a:prstGeom>
+          <a:noFill/>
+        </p:spPr>
+        <p:txBody>
+          <a:bodyPr wrap="square" rtlCol="0">
+            <a:spAutoFit/>
+          </a:bodyPr>
+          <a:lstStyle/>
+          <a:p>
+            <a:pPr algn="ctr"/>
+            <a:r>
+              <a:rPr lang="en-US" sz="2000" dirty="0">
+                <a:solidFill>
+                  <a:schemeClr val="bg1"/>
+                </a:solidFill>
+              </a:rPr>
+              <a:t>INFORMES</a:t>
+            </a:r>
+            <a:endParaRPr lang="es-PE" sz="2000" dirty="0">
+              <a:solidFill>
+                <a:schemeClr val="bg1"/>
+              </a:solidFill>
+            </a:endParaRPr>
+          </a:p>
+        </p:txBody>
+      </p:sp>
+      <p:pic>
+        <p:nvPicPr>
+          <p:cNvPr id="5" name="Imagen 4">
+            <a:extLst>
+              <a:ext uri="{FF2B5EF4-FFF2-40B4-BE49-F238E27FC236}">
+                <a16:creationId xmlns:a16="http://schemas.microsoft.com/office/drawing/2014/main" id="{447929DE-A971-4233-A8F3-817EA035E6D9}"/>
+              </a:ext>
+            </a:extLst>
+          </p:cNvPr>
+          <p:cNvPicPr>
+            <a:picLocks noChangeAspect="1"/>
+          </p:cNvPicPr>
+          <p:nvPr/>
+        </p:nvPicPr>
+        <p:blipFill>
+          <a:blip r:embed="rId3"/>
+          <a:stretch>
+            <a:fillRect/>
+          </a:stretch>
+        </p:blipFill>
+        <p:spPr>
+          <a:xfrm>
+            <a:off x="135081" y="872837"/>
+            <a:ext cx="5340928" cy="2478190"/>
+          </a:xfrm>
+          <a:prstGeom prst="rect">
+            <a:avLst/>
+          </a:prstGeom>
+        </p:spPr>
+      </p:pic>
+      <p:pic>
+        <p:nvPicPr>
+          <p:cNvPr id="3" name="Imagen 2">
+            <a:extLst>
+              <a:ext uri="{FF2B5EF4-FFF2-40B4-BE49-F238E27FC236}">
+                <a16:creationId xmlns:a16="http://schemas.microsoft.com/office/drawing/2014/main" id="{FBCB862D-4541-4E1C-B8EE-61E5083B4D4E}"/>
+              </a:ext>
+            </a:extLst>
+          </p:cNvPr>
+          <p:cNvPicPr>
+            <a:picLocks noChangeAspect="1"/>
+          </p:cNvPicPr>
+          <p:nvPr/>
+        </p:nvPicPr>
+        <p:blipFill>
+          <a:blip r:embed="rId4"/>
+          <a:stretch>
+            <a:fillRect/>
+          </a:stretch>
+        </p:blipFill>
+        <p:spPr>
+          <a:xfrm>
+            <a:off x="4443835" y="2020044"/>
+            <a:ext cx="4474384" cy="2697429"/>
+          </a:xfrm>
+          <a:prstGeom prst="rect">
+            <a:avLst/>
+          </a:prstGeom>
+        </p:spPr>
+      </p:pic>
+      <p:sp>
+        <p:nvSpPr>
+          <p:cNvPr id="7" name="CuadroTexto 6">
+            <a:extLst>
+              <a:ext uri="{FF2B5EF4-FFF2-40B4-BE49-F238E27FC236}">
+                <a16:creationId xmlns:a16="http://schemas.microsoft.com/office/drawing/2014/main" id="{6E070B04-0DCC-424C-862F-9311CDFE6561}"/>
+              </a:ext>
+            </a:extLst>
+          </p:cNvPr>
+          <p:cNvSpPr txBox="1"/>
+          <p:nvPr/>
+        </p:nvSpPr>
+        <p:spPr>
+          <a:xfrm>
+            <a:off x="0" y="3470444"/>
+            <a:ext cx="4364182" cy="1384995"/>
+          </a:xfrm>
+          <a:prstGeom prst="rect">
+            <a:avLst/>
+          </a:prstGeom>
+          <a:noFill/>
+        </p:spPr>
+        <p:txBody>
+          <a:bodyPr wrap="square">
+            <a:spAutoFit/>
+          </a:bodyPr>
+          <a:lstStyle/>
+          <a:p>
+            <a:pPr algn="ctr"/>
+            <a:r>
+              <a:rPr lang="es-ES" sz="1400" b="0" i="0" u="none" strike="noStrike" baseline="0" dirty="0">
+                <a:solidFill>
+                  <a:schemeClr val="bg1"/>
+                </a:solidFill>
+                <a:latin typeface="Arial" panose="020B0604020202020204" pitchFamily="34" charset="0"/>
+                <a:cs typeface="Arial" panose="020B0604020202020204" pitchFamily="34" charset="0"/>
+              </a:rPr>
+              <a:t>Por medio de la creación de </a:t>
+            </a:r>
+            <a:r>
+              <a:rPr lang="es-ES" sz="1400" b="0" i="0" u="none" strike="noStrike" baseline="0" dirty="0" err="1">
+                <a:solidFill>
+                  <a:schemeClr val="bg1"/>
+                </a:solidFill>
+                <a:latin typeface="Arial" panose="020B0604020202020204" pitchFamily="34" charset="0"/>
+                <a:cs typeface="Arial" panose="020B0604020202020204" pitchFamily="34" charset="0"/>
+              </a:rPr>
+              <a:t>view</a:t>
+            </a:r>
+            <a:r>
+              <a:rPr lang="es-ES" sz="1400" b="0" i="0" u="none" strike="noStrike" baseline="0" dirty="0">
+                <a:solidFill>
+                  <a:schemeClr val="bg1"/>
+                </a:solidFill>
+                <a:latin typeface="Arial" panose="020B0604020202020204" pitchFamily="34" charset="0"/>
+                <a:cs typeface="Arial" panose="020B0604020202020204" pitchFamily="34" charset="0"/>
+              </a:rPr>
+              <a:t> logramos consolidar la información existente en varias entidades ( tablas ) para luego re utilizar la </a:t>
+            </a:r>
+            <a:r>
+              <a:rPr lang="es-ES" sz="1400" b="0" i="0" u="none" strike="noStrike" baseline="0" dirty="0" err="1">
+                <a:solidFill>
+                  <a:schemeClr val="bg1"/>
+                </a:solidFill>
+                <a:latin typeface="Arial" panose="020B0604020202020204" pitchFamily="34" charset="0"/>
+                <a:cs typeface="Arial" panose="020B0604020202020204" pitchFamily="34" charset="0"/>
+              </a:rPr>
+              <a:t>view</a:t>
+            </a:r>
+            <a:r>
+              <a:rPr lang="es-ES" sz="1400" b="0" i="0" u="none" strike="noStrike" baseline="0" dirty="0">
+                <a:solidFill>
+                  <a:schemeClr val="bg1"/>
+                </a:solidFill>
+                <a:latin typeface="Arial" panose="020B0604020202020204" pitchFamily="34" charset="0"/>
+                <a:cs typeface="Arial" panose="020B0604020202020204" pitchFamily="34" charset="0"/>
+              </a:rPr>
+              <a:t> como una tabla que nos permita Agrupar y </a:t>
+            </a:r>
+            <a:r>
+              <a:rPr lang="es-ES" sz="1400" b="0" i="0" u="none" strike="noStrike" baseline="0" dirty="0" err="1">
+                <a:solidFill>
+                  <a:schemeClr val="bg1"/>
+                </a:solidFill>
+                <a:latin typeface="Arial" panose="020B0604020202020204" pitchFamily="34" charset="0"/>
+                <a:cs typeface="Arial" panose="020B0604020202020204" pitchFamily="34" charset="0"/>
+              </a:rPr>
+              <a:t>sumarizar</a:t>
+            </a:r>
+            <a:r>
+              <a:rPr lang="es-ES" sz="1400" b="0" i="0" u="none" strike="noStrike" baseline="0" dirty="0">
+                <a:solidFill>
+                  <a:schemeClr val="bg1"/>
+                </a:solidFill>
+                <a:latin typeface="Arial" panose="020B0604020202020204" pitchFamily="34" charset="0"/>
+                <a:cs typeface="Arial" panose="020B0604020202020204" pitchFamily="34" charset="0"/>
+              </a:rPr>
+              <a:t> con la finalidad de genera fácilmente información base para reportes .</a:t>
+            </a:r>
+          </a:p>
+        </p:txBody>
+      </p:sp>
+    </p:spTree>
+    <p:extLst>
+      <p:ext uri="{BB962C8B-B14F-4D97-AF65-F5344CB8AC3E}">
+        <p14:creationId xmlns:p14="http://schemas.microsoft.com/office/powerpoint/2010/main" val="1575231445"/>
+      </p:ext>
+    </p:extLst>
+  </p:cSld>
+  <p:clrMapOvr>
+    <a:masterClrMapping/>
+  </p:clrMapOvr>
+</p:sld>
+</file>
+
+<file path=ppt/slides/slide8.xml><?xml version="1.0" encoding="utf-8"?>
+<p:sld xmlns:a="http://schemas.openxmlformats.org/drawingml/2006/main" xmlns:r="http://schemas.openxmlformats.org/officeDocument/2006/relationships" xmlns:p="http://schemas.openxmlformats.org/presentationml/2006/main">
+  <p:cSld>
+    <p:bg>
+      <p:bgPr>
+        <a:solidFill>
+          <a:srgbClr val="9E473D"/>
+        </a:solidFill>
+        <a:effectLst/>
+      </p:bgPr>
+    </p:bg>
+    <p:spTree>
+      <p:nvGrpSpPr>
+        <p:cNvPr id="1" name="Shape 281"/>
+        <p:cNvGrpSpPr/>
+        <p:nvPr/>
+      </p:nvGrpSpPr>
+      <p:grpSpPr>
+        <a:xfrm>
+          <a:off x="0" y="0"/>
+          <a:ext cx="0" cy="0"/>
+          <a:chOff x="0" y="0"/>
+          <a:chExt cx="0" cy="0"/>
+        </a:xfrm>
+      </p:grpSpPr>
+      <p:sp>
+        <p:nvSpPr>
+          <p:cNvPr id="6" name="CuadroTexto 5">
+            <a:extLst>
+              <a:ext uri="{FF2B5EF4-FFF2-40B4-BE49-F238E27FC236}">
+                <a16:creationId xmlns:a16="http://schemas.microsoft.com/office/drawing/2014/main" id="{9F3703E4-B001-49A7-918C-E9DACDA006C4}"/>
+              </a:ext>
+            </a:extLst>
+          </p:cNvPr>
+          <p:cNvSpPr txBox="1"/>
+          <p:nvPr/>
+        </p:nvSpPr>
+        <p:spPr>
+          <a:xfrm>
+            <a:off x="2805545" y="237132"/>
+            <a:ext cx="3532909" cy="707886"/>
+          </a:xfrm>
+          <a:prstGeom prst="rect">
+            <a:avLst/>
+          </a:prstGeom>
+          <a:noFill/>
+        </p:spPr>
+        <p:txBody>
+          <a:bodyPr wrap="square" rtlCol="0">
+            <a:spAutoFit/>
+          </a:bodyPr>
+          <a:lstStyle/>
+          <a:p>
+            <a:pPr algn="ctr"/>
+            <a:r>
+              <a:rPr lang="en-US" sz="2000" dirty="0">
+                <a:solidFill>
+                  <a:schemeClr val="bg1"/>
+                </a:solidFill>
+              </a:rPr>
+              <a:t>HERRAMIENTAS Y TECNOLOGIA UTILIZADO</a:t>
+            </a:r>
+            <a:endParaRPr lang="es-PE" sz="2000" dirty="0">
+              <a:solidFill>
+                <a:schemeClr val="bg1"/>
+              </a:solidFill>
+            </a:endParaRPr>
+          </a:p>
+        </p:txBody>
+      </p:sp>
+      <p:pic>
+        <p:nvPicPr>
+          <p:cNvPr id="2054" name="Picture 6" descr="Node.js - Wikipedia">
+            <a:extLst>
+              <a:ext uri="{FF2B5EF4-FFF2-40B4-BE49-F238E27FC236}">
+                <a16:creationId xmlns:a16="http://schemas.microsoft.com/office/drawing/2014/main" id="{8A05380B-404C-4D37-8B1E-B79813CB24D8}"/>
+              </a:ext>
+            </a:extLst>
+          </p:cNvPr>
+          <p:cNvPicPr>
+            <a:picLocks noChangeAspect="1" noChangeArrowheads="1"/>
+          </p:cNvPicPr>
+          <p:nvPr/>
+        </p:nvPicPr>
+        <p:blipFill>
+          <a:blip r:embed="rId3">
+            <a:extLst>
+              <a:ext uri="{28A0092B-C50C-407E-A947-70E740481C1C}">
+                <a14:useLocalDpi xmlns:a14="http://schemas.microsoft.com/office/drawing/2010/main" val="0"/>
+              </a:ext>
+            </a:extLst>
+          </a:blip>
+          <a:srcRect/>
+          <a:stretch>
+            <a:fillRect/>
+          </a:stretch>
+        </p:blipFill>
+        <p:spPr bwMode="auto">
+          <a:xfrm>
+            <a:off x="2426144" y="3745890"/>
+            <a:ext cx="984887" cy="600541"/>
+          </a:xfrm>
+          <a:prstGeom prst="rect">
+            <a:avLst/>
+          </a:prstGeom>
+          <a:noFill/>
+          <a:extLst>
+            <a:ext uri="{909E8E84-426E-40DD-AFC4-6F175D3DCCD1}">
+              <a14:hiddenFill xmlns:a14="http://schemas.microsoft.com/office/drawing/2010/main">
+                <a:solidFill>
+                  <a:srgbClr val="FFFFFF"/>
+                </a:solidFill>
+              </a14:hiddenFill>
+            </a:ext>
+          </a:extLst>
+        </p:spPr>
+      </p:pic>
+      <p:pic>
+        <p:nvPicPr>
+          <p:cNvPr id="2056" name="Picture 8" descr="Essential Vanilla JavaScript Functions - DEV Community 👩‍💻👨‍💻">
+            <a:extLst>
+              <a:ext uri="{FF2B5EF4-FFF2-40B4-BE49-F238E27FC236}">
+                <a16:creationId xmlns:a16="http://schemas.microsoft.com/office/drawing/2014/main" id="{1281FBE3-6F9C-4F76-A497-23B07EEB3F98}"/>
+              </a:ext>
+            </a:extLst>
+          </p:cNvPr>
+          <p:cNvPicPr>
+            <a:picLocks noChangeAspect="1" noChangeArrowheads="1"/>
+          </p:cNvPicPr>
+          <p:nvPr/>
+        </p:nvPicPr>
+        <p:blipFill>
+          <a:blip r:embed="rId4">
+            <a:extLst>
+              <a:ext uri="{28A0092B-C50C-407E-A947-70E740481C1C}">
+                <a14:useLocalDpi xmlns:a14="http://schemas.microsoft.com/office/drawing/2010/main" val="0"/>
+              </a:ext>
+            </a:extLst>
+          </a:blip>
+          <a:srcRect/>
+          <a:stretch>
+            <a:fillRect/>
+          </a:stretch>
+        </p:blipFill>
+        <p:spPr bwMode="auto">
+          <a:xfrm>
+            <a:off x="3862903" y="3745890"/>
+            <a:ext cx="1067628" cy="600541"/>
+          </a:xfrm>
+          <a:prstGeom prst="rect">
+            <a:avLst/>
+          </a:prstGeom>
+          <a:noFill/>
+          <a:extLst>
+            <a:ext uri="{909E8E84-426E-40DD-AFC4-6F175D3DCCD1}">
+              <a14:hiddenFill xmlns:a14="http://schemas.microsoft.com/office/drawing/2010/main">
+                <a:solidFill>
+                  <a:srgbClr val="FFFFFF"/>
+                </a:solidFill>
+              </a14:hiddenFill>
+            </a:ext>
+          </a:extLst>
+        </p:spPr>
+      </p:pic>
+      <p:pic>
+        <p:nvPicPr>
+          <p:cNvPr id="2058" name="Picture 10" descr="Handlebars: Partials, Helpers &amp; much more | by Shraddha Paghdar | Nerd For  Tech | Medium">
+            <a:extLst>
+              <a:ext uri="{FF2B5EF4-FFF2-40B4-BE49-F238E27FC236}">
+                <a16:creationId xmlns:a16="http://schemas.microsoft.com/office/drawing/2014/main" id="{B050CEE3-1108-4813-AFD0-2CBAC567F9AF}"/>
+              </a:ext>
+            </a:extLst>
+          </p:cNvPr>
+          <p:cNvPicPr>
+            <a:picLocks noChangeAspect="1" noChangeArrowheads="1"/>
+          </p:cNvPicPr>
+          <p:nvPr/>
+        </p:nvPicPr>
+        <p:blipFill>
+          <a:blip r:embed="rId5">
+            <a:extLst>
+              <a:ext uri="{28A0092B-C50C-407E-A947-70E740481C1C}">
+                <a14:useLocalDpi xmlns:a14="http://schemas.microsoft.com/office/drawing/2010/main" val="0"/>
+              </a:ext>
+            </a:extLst>
+          </a:blip>
+          <a:srcRect/>
+          <a:stretch>
+            <a:fillRect/>
+          </a:stretch>
+        </p:blipFill>
+        <p:spPr bwMode="auto">
+          <a:xfrm>
+            <a:off x="3852690" y="2571750"/>
+            <a:ext cx="991899" cy="597199"/>
+          </a:xfrm>
+          <a:prstGeom prst="rect">
+            <a:avLst/>
+          </a:prstGeom>
+          <a:noFill/>
+          <a:extLst>
+            <a:ext uri="{909E8E84-426E-40DD-AFC4-6F175D3DCCD1}">
+              <a14:hiddenFill xmlns:a14="http://schemas.microsoft.com/office/drawing/2010/main">
+                <a:solidFill>
+                  <a:srgbClr val="FFFFFF"/>
+                </a:solidFill>
+              </a14:hiddenFill>
+            </a:ext>
+          </a:extLst>
+        </p:spPr>
+      </p:pic>
+      <p:pic>
+        <p:nvPicPr>
+          <p:cNvPr id="2060" name="Picture 12" descr="Google Slides Reviews &amp; Ratings 2023">
+            <a:extLst>
+              <a:ext uri="{FF2B5EF4-FFF2-40B4-BE49-F238E27FC236}">
+                <a16:creationId xmlns:a16="http://schemas.microsoft.com/office/drawing/2014/main" id="{B5F631AE-F470-4E7F-977A-4C18E72513A8}"/>
+              </a:ext>
+            </a:extLst>
+          </p:cNvPr>
+          <p:cNvPicPr>
+            <a:picLocks noChangeAspect="1" noChangeArrowheads="1"/>
+          </p:cNvPicPr>
+          <p:nvPr/>
+        </p:nvPicPr>
+        <p:blipFill>
+          <a:blip r:embed="rId6">
+            <a:extLst>
+              <a:ext uri="{28A0092B-C50C-407E-A947-70E740481C1C}">
+                <a14:useLocalDpi xmlns:a14="http://schemas.microsoft.com/office/drawing/2010/main" val="0"/>
+              </a:ext>
+            </a:extLst>
+          </a:blip>
+          <a:srcRect/>
+          <a:stretch>
+            <a:fillRect/>
+          </a:stretch>
+        </p:blipFill>
+        <p:spPr bwMode="auto">
+          <a:xfrm>
+            <a:off x="885951" y="3745890"/>
+            <a:ext cx="991899" cy="952916"/>
+          </a:xfrm>
+          <a:prstGeom prst="rect">
+            <a:avLst/>
+          </a:prstGeom>
+          <a:noFill/>
+          <a:extLst>
+            <a:ext uri="{909E8E84-426E-40DD-AFC4-6F175D3DCCD1}">
+              <a14:hiddenFill xmlns:a14="http://schemas.microsoft.com/office/drawing/2010/main">
+                <a:solidFill>
+                  <a:srgbClr val="FFFFFF"/>
+                </a:solidFill>
+              </a14:hiddenFill>
+            </a:ext>
+          </a:extLst>
+        </p:spPr>
+      </p:pic>
+      <p:pic>
+        <p:nvPicPr>
+          <p:cNvPr id="2064" name="Picture 16">
+            <a:extLst>
+              <a:ext uri="{FF2B5EF4-FFF2-40B4-BE49-F238E27FC236}">
+                <a16:creationId xmlns:a16="http://schemas.microsoft.com/office/drawing/2014/main" id="{A1C398EA-466C-41DB-82B9-738BFC7AF93E}"/>
+              </a:ext>
+            </a:extLst>
+          </p:cNvPr>
+          <p:cNvPicPr>
+            <a:picLocks noChangeAspect="1" noChangeArrowheads="1"/>
+          </p:cNvPicPr>
+          <p:nvPr/>
+        </p:nvPicPr>
+        <p:blipFill>
+          <a:blip r:embed="rId7">
+            <a:extLst>
+              <a:ext uri="{28A0092B-C50C-407E-A947-70E740481C1C}">
+                <a14:useLocalDpi xmlns:a14="http://schemas.microsoft.com/office/drawing/2010/main" val="0"/>
+              </a:ext>
+            </a:extLst>
+          </a:blip>
+          <a:srcRect/>
+          <a:stretch>
+            <a:fillRect/>
+          </a:stretch>
+        </p:blipFill>
+        <p:spPr bwMode="auto">
+          <a:xfrm>
+            <a:off x="885951" y="2571750"/>
+            <a:ext cx="2457018" cy="658231"/>
+          </a:xfrm>
+          <a:prstGeom prst="rect">
+            <a:avLst/>
+          </a:prstGeom>
+          <a:noFill/>
+          <a:extLst>
+            <a:ext uri="{909E8E84-426E-40DD-AFC4-6F175D3DCCD1}">
+              <a14:hiddenFill xmlns:a14="http://schemas.microsoft.com/office/drawing/2010/main">
+                <a:solidFill>
+                  <a:srgbClr val="FFFFFF"/>
+                </a:solidFill>
+              </a14:hiddenFill>
+            </a:ext>
+          </a:extLst>
+        </p:spPr>
+      </p:pic>
+      <p:pic>
+        <p:nvPicPr>
+          <p:cNvPr id="2066" name="Picture 18" descr="How to limit number of rows in MySQL Workbench - YouTube">
+            <a:extLst>
+              <a:ext uri="{FF2B5EF4-FFF2-40B4-BE49-F238E27FC236}">
+                <a16:creationId xmlns:a16="http://schemas.microsoft.com/office/drawing/2014/main" id="{052C1602-795D-434B-BC91-9C40FDC4D6E0}"/>
+              </a:ext>
+            </a:extLst>
+          </p:cNvPr>
+          <p:cNvPicPr>
+            <a:picLocks noChangeAspect="1" noChangeArrowheads="1"/>
+          </p:cNvPicPr>
+          <p:nvPr/>
+        </p:nvPicPr>
+        <p:blipFill>
+          <a:blip r:embed="rId8">
+            <a:extLst>
+              <a:ext uri="{28A0092B-C50C-407E-A947-70E740481C1C}">
+                <a14:useLocalDpi xmlns:a14="http://schemas.microsoft.com/office/drawing/2010/main" val="0"/>
+              </a:ext>
+            </a:extLst>
+          </a:blip>
+          <a:srcRect/>
+          <a:stretch>
+            <a:fillRect/>
+          </a:stretch>
+        </p:blipFill>
+        <p:spPr bwMode="auto">
+          <a:xfrm>
+            <a:off x="3275777" y="1081674"/>
+            <a:ext cx="2145723" cy="1201605"/>
+          </a:xfrm>
+          <a:prstGeom prst="rect">
+            <a:avLst/>
+          </a:prstGeom>
+          <a:noFill/>
+          <a:extLst>
+            <a:ext uri="{909E8E84-426E-40DD-AFC4-6F175D3DCCD1}">
+              <a14:hiddenFill xmlns:a14="http://schemas.microsoft.com/office/drawing/2010/main">
+                <a:solidFill>
+                  <a:srgbClr val="FFFFFF"/>
+                </a:solidFill>
+              </a14:hiddenFill>
+            </a:ext>
+          </a:extLst>
+        </p:spPr>
+      </p:pic>
+      <p:pic>
+        <p:nvPicPr>
+          <p:cNvPr id="2068" name="Picture 20" descr="Resultado de imagen para html 5">
+            <a:extLst>
+              <a:ext uri="{FF2B5EF4-FFF2-40B4-BE49-F238E27FC236}">
+                <a16:creationId xmlns:a16="http://schemas.microsoft.com/office/drawing/2014/main" id="{B4ECFFF2-F31A-4112-8707-9187972BA862}"/>
+              </a:ext>
+            </a:extLst>
+          </p:cNvPr>
+          <p:cNvPicPr>
+            <a:picLocks noChangeAspect="1" noChangeArrowheads="1"/>
+          </p:cNvPicPr>
+          <p:nvPr/>
+        </p:nvPicPr>
+        <p:blipFill>
+          <a:blip r:embed="rId9">
+            <a:extLst>
+              <a:ext uri="{28A0092B-C50C-407E-A947-70E740481C1C}">
+                <a14:useLocalDpi xmlns:a14="http://schemas.microsoft.com/office/drawing/2010/main" val="0"/>
+              </a:ext>
+            </a:extLst>
+          </a:blip>
+          <a:srcRect/>
+          <a:stretch>
+            <a:fillRect/>
+          </a:stretch>
+        </p:blipFill>
+        <p:spPr bwMode="auto">
+          <a:xfrm>
+            <a:off x="5421500" y="3787130"/>
+            <a:ext cx="911676" cy="911676"/>
+          </a:xfrm>
+          <a:prstGeom prst="rect">
+            <a:avLst/>
+          </a:prstGeom>
+          <a:noFill/>
+          <a:extLst>
+            <a:ext uri="{909E8E84-426E-40DD-AFC4-6F175D3DCCD1}">
+              <a14:hiddenFill xmlns:a14="http://schemas.microsoft.com/office/drawing/2010/main">
+                <a:solidFill>
+                  <a:srgbClr val="FFFFFF"/>
+                </a:solidFill>
+              </a14:hiddenFill>
+            </a:ext>
+          </a:extLst>
+        </p:spPr>
+      </p:pic>
+      <p:pic>
+        <p:nvPicPr>
+          <p:cNvPr id="2070" name="Picture 22" descr="React with Tailwind CSS. Tailwind is a CSS framework with a… | by yuni |  Product Engineering">
+            <a:extLst>
+              <a:ext uri="{FF2B5EF4-FFF2-40B4-BE49-F238E27FC236}">
+                <a16:creationId xmlns:a16="http://schemas.microsoft.com/office/drawing/2014/main" id="{816E9456-47D7-463B-BFAF-D4451642293A}"/>
+              </a:ext>
+            </a:extLst>
+          </p:cNvPr>
+          <p:cNvPicPr>
+            <a:picLocks noChangeAspect="1" noChangeArrowheads="1"/>
+          </p:cNvPicPr>
+          <p:nvPr/>
+        </p:nvPicPr>
+        <p:blipFill>
+          <a:blip r:embed="rId10">
+            <a:extLst>
+              <a:ext uri="{28A0092B-C50C-407E-A947-70E740481C1C}">
+                <a14:useLocalDpi xmlns:a14="http://schemas.microsoft.com/office/drawing/2010/main" val="0"/>
+              </a:ext>
+            </a:extLst>
+          </a:blip>
+          <a:srcRect/>
+          <a:stretch>
+            <a:fillRect/>
+          </a:stretch>
+        </p:blipFill>
+        <p:spPr bwMode="auto">
+          <a:xfrm>
+            <a:off x="5354310" y="2623426"/>
+            <a:ext cx="1428750" cy="800100"/>
+          </a:xfrm>
+          <a:prstGeom prst="rect">
+            <a:avLst/>
+          </a:prstGeom>
+          <a:noFill/>
+          <a:extLst>
+            <a:ext uri="{909E8E84-426E-40DD-AFC4-6F175D3DCCD1}">
+              <a14:hiddenFill xmlns:a14="http://schemas.microsoft.com/office/drawing/2010/main">
+                <a:solidFill>
+                  <a:srgbClr val="FFFFFF"/>
+                </a:solidFill>
+              </a14:hiddenFill>
+            </a:ext>
+          </a:extLst>
+        </p:spPr>
+      </p:pic>
+    </p:spTree>
+    <p:extLst>
+      <p:ext uri="{BB962C8B-B14F-4D97-AF65-F5344CB8AC3E}">
+        <p14:creationId xmlns:p14="http://schemas.microsoft.com/office/powerpoint/2010/main" val="2334759390"/>
+      </p:ext>
+    </p:extLst>
+  </p:cSld>
+  <p:clrMapOvr>
+    <a:masterClrMapping/>
+  </p:clrMapOvr>
+</p:sld>
+</file>
+
+<file path=ppt/slides/slide9.xml><?xml version="1.0" encoding="utf-8"?>
 <p:sld xmlns:a="http://schemas.openxmlformats.org/drawingml/2006/main" xmlns:r="http://schemas.openxmlformats.org/officeDocument/2006/relationships" xmlns:p="http://schemas.openxmlformats.org/presentationml/2006/main">
   <p:cSld>
     <p:bg>
@@ -26025,183 +28585,6 @@
           <a:xfrm>
             <a:off x="2607325" y="3309760"/>
             <a:ext cx="1186201" cy="330480"/>
-          </a:xfrm>
-          <a:prstGeom prst="rect">
-            <a:avLst/>
-          </a:prstGeom>
-          <a:noFill/>
-          <a:ln>
-            <a:noFill/>
-          </a:ln>
-        </p:spPr>
-      </p:pic>
-    </p:spTree>
-  </p:cSld>
-  <p:clrMapOvr>
-    <a:masterClrMapping/>
-  </p:clrMapOvr>
-</p:sld>
-</file>
-
-<file path=ppt/slides/slide4.xml><?xml version="1.0" encoding="utf-8"?>
-<p:sld xmlns:a="http://schemas.openxmlformats.org/drawingml/2006/main" xmlns:r="http://schemas.openxmlformats.org/officeDocument/2006/relationships" xmlns:p="http://schemas.openxmlformats.org/presentationml/2006/main">
-  <p:cSld>
-    <p:bg>
-      <p:bgPr>
-        <a:solidFill>
-          <a:schemeClr val="dk1"/>
-        </a:solidFill>
-        <a:effectLst/>
-      </p:bgPr>
-    </p:bg>
-    <p:spTree>
-      <p:nvGrpSpPr>
-        <p:cNvPr id="1" name="Shape 289"/>
-        <p:cNvGrpSpPr/>
-        <p:nvPr/>
-      </p:nvGrpSpPr>
-      <p:grpSpPr>
-        <a:xfrm>
-          <a:off x="0" y="0"/>
-          <a:ext cx="0" cy="0"/>
-          <a:chOff x="0" y="0"/>
-          <a:chExt cx="0" cy="0"/>
-        </a:xfrm>
-      </p:grpSpPr>
-      <p:sp>
-        <p:nvSpPr>
-          <p:cNvPr id="290" name="Google Shape;290;p53"/>
-          <p:cNvSpPr txBox="1"/>
-          <p:nvPr/>
-        </p:nvSpPr>
-        <p:spPr>
-          <a:xfrm>
-            <a:off x="490320" y="488160"/>
-            <a:ext cx="6226800" cy="4090200"/>
-          </a:xfrm>
-          <a:prstGeom prst="rect">
-            <a:avLst/>
-          </a:prstGeom>
-          <a:noFill/>
-          <a:ln>
-            <a:noFill/>
-          </a:ln>
-        </p:spPr>
-        <p:txBody>
-          <a:bodyPr spcFirstLastPara="1" wrap="square" lIns="91425" tIns="91425" rIns="91425" bIns="91425" anchor="ctr" anchorCtr="0">
-            <a:noAutofit/>
-          </a:bodyPr>
-          <a:lstStyle/>
-          <a:p>
-            <a:pPr marL="0" marR="0" lvl="0" indent="0" algn="l" rtl="0">
-              <a:lnSpc>
-                <a:spcPct val="100000"/>
-              </a:lnSpc>
-              <a:spcBef>
-                <a:spcPts val="0"/>
-              </a:spcBef>
-              <a:spcAft>
-                <a:spcPts val="0"/>
-              </a:spcAft>
-              <a:buNone/>
-            </a:pPr>
-            <a:r>
-              <a:rPr lang="es" sz="3100" b="0" i="1" u="none" strike="noStrike" cap="none">
-                <a:solidFill>
-                  <a:schemeClr val="lt1"/>
-                </a:solidFill>
-                <a:latin typeface="Anton"/>
-                <a:ea typeface="Anton"/>
-                <a:cs typeface="Anton"/>
-                <a:sym typeface="Anton"/>
-              </a:rPr>
-              <a:t>¡GRACIAS!</a:t>
-            </a:r>
-            <a:endParaRPr sz="3100" b="0" i="0" u="none" strike="noStrike" cap="none">
-              <a:solidFill>
-                <a:schemeClr val="lt1"/>
-              </a:solidFill>
-              <a:latin typeface="Arial"/>
-              <a:ea typeface="Arial"/>
-              <a:cs typeface="Arial"/>
-              <a:sym typeface="Arial"/>
-            </a:endParaRPr>
-          </a:p>
-        </p:txBody>
-      </p:sp>
-      <p:pic>
-        <p:nvPicPr>
-          <p:cNvPr id="291" name="Google Shape;291;p53"/>
-          <p:cNvPicPr preferRelativeResize="0"/>
-          <p:nvPr/>
-        </p:nvPicPr>
-        <p:blipFill rotWithShape="1">
-          <a:blip r:embed="rId3">
-            <a:alphaModFix/>
-          </a:blip>
-          <a:srcRect/>
-          <a:stretch/>
-        </p:blipFill>
-        <p:spPr>
-          <a:xfrm>
-            <a:off x="7567920" y="4659480"/>
-            <a:ext cx="1186201" cy="330480"/>
-          </a:xfrm>
-          <a:prstGeom prst="rect">
-            <a:avLst/>
-          </a:prstGeom>
-          <a:noFill/>
-          <a:ln>
-            <a:noFill/>
-          </a:ln>
-        </p:spPr>
-      </p:pic>
-      <p:pic>
-        <p:nvPicPr>
-          <p:cNvPr id="292" name="Google Shape;292;p53"/>
-          <p:cNvPicPr preferRelativeResize="0"/>
-          <p:nvPr/>
-        </p:nvPicPr>
-        <p:blipFill>
-          <a:blip r:embed="rId4">
-            <a:alphaModFix/>
-          </a:blip>
-          <a:stretch>
-            <a:fillRect/>
-          </a:stretch>
-        </p:blipFill>
-        <p:spPr>
-          <a:xfrm>
-            <a:off x="1101700" y="2599575"/>
-            <a:ext cx="3724875" cy="2478700"/>
-          </a:xfrm>
-          <a:prstGeom prst="rect">
-            <a:avLst/>
-          </a:prstGeom>
-          <a:noFill/>
-          <a:ln>
-            <a:noFill/>
-          </a:ln>
-        </p:spPr>
-      </p:pic>
-      <p:pic>
-        <p:nvPicPr>
-          <p:cNvPr id="293" name="Google Shape;293;p53"/>
-          <p:cNvPicPr preferRelativeResize="0"/>
-          <p:nvPr/>
-        </p:nvPicPr>
-        <p:blipFill>
-          <a:blip r:embed="rId5">
-            <a:alphaModFix/>
-          </a:blip>
-          <a:stretch>
-            <a:fillRect/>
-          </a:stretch>
-        </p:blipFill>
-        <p:spPr>
-          <a:xfrm>
-            <a:off x="6016592" y="4268803"/>
-            <a:ext cx="1302775" cy="765625"/>
           </a:xfrm>
           <a:prstGeom prst="rect">
             <a:avLst/>
